--- a/u-net-sunum.pptx
+++ b/u-net-sunum.pptx
@@ -58,7 +58,7 @@
         <p:txBody>
           <a:bodyPr/>
           <a:p>
-            <a:fld id="{3DAD9BCC-FBFD-4D37-AF7B-216816373B62}" type="slidenum">
+            <a:fld id="{0F9677C3-5D67-451F-9DD7-6CF7214E3E47}" type="slidenum">
               <a:t>&lt;#&gt;</a:t>
             </a:fld>
           </a:p>
@@ -98,8 +98,8 @@
         </p:nvSpPr>
         <p:spPr>
           <a:xfrm>
-            <a:off x="311760" y="418320"/>
-            <a:ext cx="8519760" cy="625320"/>
+            <a:off x="457200" y="205200"/>
+            <a:ext cx="8229240" cy="858600"/>
           </a:xfrm>
           <a:prstGeom prst="rect">
             <a:avLst/>
@@ -135,8 +135,8 @@
         </p:nvSpPr>
         <p:spPr>
           <a:xfrm>
-            <a:off x="311760" y="1152360"/>
-            <a:ext cx="8519760" cy="1629000"/>
+            <a:off x="457200" y="1203480"/>
+            <a:ext cx="8229240" cy="1422720"/>
           </a:xfrm>
           <a:prstGeom prst="rect">
             <a:avLst/>
@@ -169,8 +169,8 @@
         </p:nvSpPr>
         <p:spPr>
           <a:xfrm>
-            <a:off x="311760" y="2936520"/>
-            <a:ext cx="8519760" cy="1629000"/>
+            <a:off x="457200" y="2761920"/>
+            <a:ext cx="8229240" cy="1422720"/>
           </a:xfrm>
           <a:prstGeom prst="rect">
             <a:avLst/>
@@ -205,7 +205,7 @@
         <p:txBody>
           <a:bodyPr/>
           <a:p>
-            <a:fld id="{44BD3700-DC48-4AAA-865D-D89122A381E0}" type="slidenum">
+            <a:fld id="{286D0C36-AF39-4B45-9D71-DCECDF3178E3}" type="slidenum">
               <a:t>&lt;#&gt;</a:t>
             </a:fld>
           </a:p>
@@ -245,8 +245,8 @@
         </p:nvSpPr>
         <p:spPr>
           <a:xfrm>
-            <a:off x="311760" y="418320"/>
-            <a:ext cx="8519760" cy="625320"/>
+            <a:off x="457200" y="205200"/>
+            <a:ext cx="8229240" cy="858600"/>
           </a:xfrm>
           <a:prstGeom prst="rect">
             <a:avLst/>
@@ -282,8 +282,8 @@
         </p:nvSpPr>
         <p:spPr>
           <a:xfrm>
-            <a:off x="311760" y="1152360"/>
-            <a:ext cx="4157280" cy="1629000"/>
+            <a:off x="457200" y="1203480"/>
+            <a:ext cx="4015800" cy="1422720"/>
           </a:xfrm>
           <a:prstGeom prst="rect">
             <a:avLst/>
@@ -316,8 +316,8 @@
         </p:nvSpPr>
         <p:spPr>
           <a:xfrm>
-            <a:off x="4677120" y="1152360"/>
-            <a:ext cx="4157280" cy="1629000"/>
+            <a:off x="4674240" y="1203480"/>
+            <a:ext cx="4015800" cy="1422720"/>
           </a:xfrm>
           <a:prstGeom prst="rect">
             <a:avLst/>
@@ -350,8 +350,8 @@
         </p:nvSpPr>
         <p:spPr>
           <a:xfrm>
-            <a:off x="311760" y="2936520"/>
-            <a:ext cx="4157280" cy="1629000"/>
+            <a:off x="457200" y="2761920"/>
+            <a:ext cx="4015800" cy="1422720"/>
           </a:xfrm>
           <a:prstGeom prst="rect">
             <a:avLst/>
@@ -384,8 +384,8 @@
         </p:nvSpPr>
         <p:spPr>
           <a:xfrm>
-            <a:off x="4677120" y="2936520"/>
-            <a:ext cx="4157280" cy="1629000"/>
+            <a:off x="4674240" y="2761920"/>
+            <a:ext cx="4015800" cy="1422720"/>
           </a:xfrm>
           <a:prstGeom prst="rect">
             <a:avLst/>
@@ -420,7 +420,7 @@
         <p:txBody>
           <a:bodyPr/>
           <a:p>
-            <a:fld id="{8FA5CD89-1FDC-426D-8D58-A24F7551190D}" type="slidenum">
+            <a:fld id="{441DFFF7-55A1-4FE9-8AF5-DD14AACE1241}" type="slidenum">
               <a:t>&lt;#&gt;</a:t>
             </a:fld>
           </a:p>
@@ -460,8 +460,8 @@
         </p:nvSpPr>
         <p:spPr>
           <a:xfrm>
-            <a:off x="311760" y="418320"/>
-            <a:ext cx="8519760" cy="625320"/>
+            <a:off x="457200" y="205200"/>
+            <a:ext cx="8229240" cy="858600"/>
           </a:xfrm>
           <a:prstGeom prst="rect">
             <a:avLst/>
@@ -497,8 +497,8 @@
         </p:nvSpPr>
         <p:spPr>
           <a:xfrm>
-            <a:off x="311760" y="1152360"/>
-            <a:ext cx="2743200" cy="1629000"/>
+            <a:off x="457200" y="1203480"/>
+            <a:ext cx="2649600" cy="1422720"/>
           </a:xfrm>
           <a:prstGeom prst="rect">
             <a:avLst/>
@@ -531,8 +531,8 @@
         </p:nvSpPr>
         <p:spPr>
           <a:xfrm>
-            <a:off x="3192480" y="1152360"/>
-            <a:ext cx="2743200" cy="1629000"/>
+            <a:off x="3239640" y="1203480"/>
+            <a:ext cx="2649600" cy="1422720"/>
           </a:xfrm>
           <a:prstGeom prst="rect">
             <a:avLst/>
@@ -565,8 +565,8 @@
         </p:nvSpPr>
         <p:spPr>
           <a:xfrm>
-            <a:off x="6073200" y="1152360"/>
-            <a:ext cx="2743200" cy="1629000"/>
+            <a:off x="6022080" y="1203480"/>
+            <a:ext cx="2649600" cy="1422720"/>
           </a:xfrm>
           <a:prstGeom prst="rect">
             <a:avLst/>
@@ -599,8 +599,8 @@
         </p:nvSpPr>
         <p:spPr>
           <a:xfrm>
-            <a:off x="311760" y="2936520"/>
-            <a:ext cx="2743200" cy="1629000"/>
+            <a:off x="457200" y="2761920"/>
+            <a:ext cx="2649600" cy="1422720"/>
           </a:xfrm>
           <a:prstGeom prst="rect">
             <a:avLst/>
@@ -633,8 +633,8 @@
         </p:nvSpPr>
         <p:spPr>
           <a:xfrm>
-            <a:off x="3192480" y="2936520"/>
-            <a:ext cx="2743200" cy="1629000"/>
+            <a:off x="3239640" y="2761920"/>
+            <a:ext cx="2649600" cy="1422720"/>
           </a:xfrm>
           <a:prstGeom prst="rect">
             <a:avLst/>
@@ -667,8 +667,8 @@
         </p:nvSpPr>
         <p:spPr>
           <a:xfrm>
-            <a:off x="6073200" y="2936520"/>
-            <a:ext cx="2743200" cy="1629000"/>
+            <a:off x="6022080" y="2761920"/>
+            <a:ext cx="2649600" cy="1422720"/>
           </a:xfrm>
           <a:prstGeom prst="rect">
             <a:avLst/>
@@ -703,7 +703,7 @@
         <p:txBody>
           <a:bodyPr/>
           <a:p>
-            <a:fld id="{4D37FC1E-1AFB-4AFE-B5BD-62EA279E3F8A}" type="slidenum">
+            <a:fld id="{202FF424-FCC3-4406-BCC4-3054E4D8AACB}" type="slidenum">
               <a:t>&lt;#&gt;</a:t>
             </a:fld>
           </a:p>
@@ -745,7 +745,7 @@
         <p:txBody>
           <a:bodyPr/>
           <a:p>
-            <a:fld id="{D6F448AE-E77B-473F-A83D-5CA08D5474A4}" type="slidenum">
+            <a:fld id="{6B6AC4C0-2F28-4C37-8C04-FC9F43480CED}" type="slidenum">
               <a:t>&lt;#&gt;</a:t>
             </a:fld>
           </a:p>
@@ -785,8 +785,8 @@
         </p:nvSpPr>
         <p:spPr>
           <a:xfrm>
-            <a:off x="311760" y="418320"/>
-            <a:ext cx="8519760" cy="625320"/>
+            <a:off x="457200" y="205200"/>
+            <a:ext cx="8229240" cy="858600"/>
           </a:xfrm>
           <a:prstGeom prst="rect">
             <a:avLst/>
@@ -822,8 +822,8 @@
         </p:nvSpPr>
         <p:spPr>
           <a:xfrm>
-            <a:off x="311760" y="1152360"/>
-            <a:ext cx="8519760" cy="3415680"/>
+            <a:off x="457200" y="1203480"/>
+            <a:ext cx="8229240" cy="2982960"/>
           </a:xfrm>
           <a:prstGeom prst="rect">
             <a:avLst/>
@@ -861,7 +861,7 @@
         <p:txBody>
           <a:bodyPr/>
           <a:p>
-            <a:fld id="{14E7EA62-3431-48E6-A3AC-4EAD3F754A7F}" type="slidenum">
+            <a:fld id="{17329599-A699-4802-A6FB-29E92C7400A2}" type="slidenum">
               <a:t>&lt;#&gt;</a:t>
             </a:fld>
           </a:p>
@@ -901,8 +901,8 @@
         </p:nvSpPr>
         <p:spPr>
           <a:xfrm>
-            <a:off x="311760" y="418320"/>
-            <a:ext cx="8519760" cy="625320"/>
+            <a:off x="457200" y="205200"/>
+            <a:ext cx="8229240" cy="858600"/>
           </a:xfrm>
           <a:prstGeom prst="rect">
             <a:avLst/>
@@ -938,8 +938,8 @@
         </p:nvSpPr>
         <p:spPr>
           <a:xfrm>
-            <a:off x="311760" y="1152360"/>
-            <a:ext cx="8519760" cy="3415680"/>
+            <a:off x="457200" y="1203480"/>
+            <a:ext cx="8229240" cy="2982960"/>
           </a:xfrm>
           <a:prstGeom prst="rect">
             <a:avLst/>
@@ -974,7 +974,7 @@
         <p:txBody>
           <a:bodyPr/>
           <a:p>
-            <a:fld id="{F462407C-73D8-4102-B71E-EDE190784B27}" type="slidenum">
+            <a:fld id="{788C95DB-1006-4CB4-AD55-2597DB57886A}" type="slidenum">
               <a:t>&lt;#&gt;</a:t>
             </a:fld>
           </a:p>
@@ -1014,8 +1014,8 @@
         </p:nvSpPr>
         <p:spPr>
           <a:xfrm>
-            <a:off x="311760" y="418320"/>
-            <a:ext cx="8519760" cy="625320"/>
+            <a:off x="457200" y="205200"/>
+            <a:ext cx="8229240" cy="858600"/>
           </a:xfrm>
           <a:prstGeom prst="rect">
             <a:avLst/>
@@ -1051,8 +1051,8 @@
         </p:nvSpPr>
         <p:spPr>
           <a:xfrm>
-            <a:off x="311760" y="1152360"/>
-            <a:ext cx="4157280" cy="3415680"/>
+            <a:off x="457200" y="1203480"/>
+            <a:ext cx="4015800" cy="2982960"/>
           </a:xfrm>
           <a:prstGeom prst="rect">
             <a:avLst/>
@@ -1085,8 +1085,8 @@
         </p:nvSpPr>
         <p:spPr>
           <a:xfrm>
-            <a:off x="4677120" y="1152360"/>
-            <a:ext cx="4157280" cy="3415680"/>
+            <a:off x="4674240" y="1203480"/>
+            <a:ext cx="4015800" cy="2982960"/>
           </a:xfrm>
           <a:prstGeom prst="rect">
             <a:avLst/>
@@ -1121,7 +1121,7 @@
         <p:txBody>
           <a:bodyPr/>
           <a:p>
-            <a:fld id="{F4FD0AF0-F95E-4F16-9B0D-B2AD236F8E81}" type="slidenum">
+            <a:fld id="{50AE63FF-B3F1-4A17-A165-7B7BACEEDCFC}" type="slidenum">
               <a:t>&lt;#&gt;</a:t>
             </a:fld>
           </a:p>
@@ -1161,8 +1161,8 @@
         </p:nvSpPr>
         <p:spPr>
           <a:xfrm>
-            <a:off x="311760" y="418320"/>
-            <a:ext cx="8519760" cy="625320"/>
+            <a:off x="457200" y="205200"/>
+            <a:ext cx="8229240" cy="858600"/>
           </a:xfrm>
           <a:prstGeom prst="rect">
             <a:avLst/>
@@ -1200,7 +1200,7 @@
         <p:txBody>
           <a:bodyPr/>
           <a:p>
-            <a:fld id="{56C429D6-02C4-4B4F-AFFF-7B7E9CFE78BA}" type="slidenum">
+            <a:fld id="{BC079EF4-86F0-44EB-8C88-EFF48160CBA0}" type="slidenum">
               <a:t>&lt;#&gt;</a:t>
             </a:fld>
           </a:p>
@@ -1240,8 +1240,8 @@
         </p:nvSpPr>
         <p:spPr>
           <a:xfrm>
-            <a:off x="311760" y="444960"/>
-            <a:ext cx="8519760" cy="2652840"/>
+            <a:off x="457200" y="205200"/>
+            <a:ext cx="8229240" cy="3981240"/>
           </a:xfrm>
           <a:prstGeom prst="rect">
             <a:avLst/>
@@ -1279,7 +1279,7 @@
         <p:txBody>
           <a:bodyPr/>
           <a:p>
-            <a:fld id="{ED77B6ED-2FFE-4228-8A0D-8800FCD5638B}" type="slidenum">
+            <a:fld id="{3D1D3FE1-A1FE-400C-BAE3-74ABE51E3836}" type="slidenum">
               <a:t>&lt;#&gt;</a:t>
             </a:fld>
           </a:p>
@@ -1319,8 +1319,8 @@
         </p:nvSpPr>
         <p:spPr>
           <a:xfrm>
-            <a:off x="311760" y="418320"/>
-            <a:ext cx="8519760" cy="625320"/>
+            <a:off x="457200" y="205200"/>
+            <a:ext cx="8229240" cy="858600"/>
           </a:xfrm>
           <a:prstGeom prst="rect">
             <a:avLst/>
@@ -1356,8 +1356,8 @@
         </p:nvSpPr>
         <p:spPr>
           <a:xfrm>
-            <a:off x="311760" y="1152360"/>
-            <a:ext cx="4157280" cy="1629000"/>
+            <a:off x="457200" y="1203480"/>
+            <a:ext cx="4015800" cy="1422720"/>
           </a:xfrm>
           <a:prstGeom prst="rect">
             <a:avLst/>
@@ -1390,8 +1390,8 @@
         </p:nvSpPr>
         <p:spPr>
           <a:xfrm>
-            <a:off x="4677120" y="1152360"/>
-            <a:ext cx="4157280" cy="3415680"/>
+            <a:off x="4674240" y="1203480"/>
+            <a:ext cx="4015800" cy="2982960"/>
           </a:xfrm>
           <a:prstGeom prst="rect">
             <a:avLst/>
@@ -1424,8 +1424,8 @@
         </p:nvSpPr>
         <p:spPr>
           <a:xfrm>
-            <a:off x="311760" y="2936520"/>
-            <a:ext cx="4157280" cy="1629000"/>
+            <a:off x="457200" y="2761920"/>
+            <a:ext cx="4015800" cy="1422720"/>
           </a:xfrm>
           <a:prstGeom prst="rect">
             <a:avLst/>
@@ -1460,7 +1460,7 @@
         <p:txBody>
           <a:bodyPr/>
           <a:p>
-            <a:fld id="{A7D97CDC-9275-439C-AB8B-0499D6371F93}" type="slidenum">
+            <a:fld id="{1671F5B7-DEB6-4801-B153-9543721FBFF5}" type="slidenum">
               <a:t>&lt;#&gt;</a:t>
             </a:fld>
           </a:p>
@@ -1500,8 +1500,8 @@
         </p:nvSpPr>
         <p:spPr>
           <a:xfrm>
-            <a:off x="311760" y="418320"/>
-            <a:ext cx="8519760" cy="625320"/>
+            <a:off x="457200" y="205200"/>
+            <a:ext cx="8229240" cy="858600"/>
           </a:xfrm>
           <a:prstGeom prst="rect">
             <a:avLst/>
@@ -1537,8 +1537,8 @@
         </p:nvSpPr>
         <p:spPr>
           <a:xfrm>
-            <a:off x="311760" y="1152360"/>
-            <a:ext cx="8519760" cy="3415680"/>
+            <a:off x="457200" y="1203480"/>
+            <a:ext cx="8229240" cy="2982960"/>
           </a:xfrm>
           <a:prstGeom prst="rect">
             <a:avLst/>
@@ -1576,7 +1576,7 @@
         <p:txBody>
           <a:bodyPr/>
           <a:p>
-            <a:fld id="{AB7BDDE7-45E5-4EC9-82E4-992DBEAC210B}" type="slidenum">
+            <a:fld id="{61B65A5B-5555-4AF9-BD6B-1E2D28019C2C}" type="slidenum">
               <a:t>&lt;#&gt;</a:t>
             </a:fld>
           </a:p>
@@ -1616,8 +1616,8 @@
         </p:nvSpPr>
         <p:spPr>
           <a:xfrm>
-            <a:off x="311760" y="418320"/>
-            <a:ext cx="8519760" cy="625320"/>
+            <a:off x="457200" y="205200"/>
+            <a:ext cx="8229240" cy="858600"/>
           </a:xfrm>
           <a:prstGeom prst="rect">
             <a:avLst/>
@@ -1653,8 +1653,8 @@
         </p:nvSpPr>
         <p:spPr>
           <a:xfrm>
-            <a:off x="311760" y="1152360"/>
-            <a:ext cx="4157280" cy="3415680"/>
+            <a:off x="457200" y="1203480"/>
+            <a:ext cx="4015800" cy="2982960"/>
           </a:xfrm>
           <a:prstGeom prst="rect">
             <a:avLst/>
@@ -1687,8 +1687,8 @@
         </p:nvSpPr>
         <p:spPr>
           <a:xfrm>
-            <a:off x="4677120" y="1152360"/>
-            <a:ext cx="4157280" cy="1629000"/>
+            <a:off x="4674240" y="1203480"/>
+            <a:ext cx="4015800" cy="1422720"/>
           </a:xfrm>
           <a:prstGeom prst="rect">
             <a:avLst/>
@@ -1721,8 +1721,8 @@
         </p:nvSpPr>
         <p:spPr>
           <a:xfrm>
-            <a:off x="4677120" y="2936520"/>
-            <a:ext cx="4157280" cy="1629000"/>
+            <a:off x="4674240" y="2761920"/>
+            <a:ext cx="4015800" cy="1422720"/>
           </a:xfrm>
           <a:prstGeom prst="rect">
             <a:avLst/>
@@ -1757,7 +1757,7 @@
         <p:txBody>
           <a:bodyPr/>
           <a:p>
-            <a:fld id="{3356245E-B7DA-4989-8E2F-C8562B484690}" type="slidenum">
+            <a:fld id="{AFC6E2E0-828A-4C3C-83DC-EEEFB2F0A3CF}" type="slidenum">
               <a:t>&lt;#&gt;</a:t>
             </a:fld>
           </a:p>
@@ -1797,8 +1797,8 @@
         </p:nvSpPr>
         <p:spPr>
           <a:xfrm>
-            <a:off x="311760" y="418320"/>
-            <a:ext cx="8519760" cy="625320"/>
+            <a:off x="457200" y="205200"/>
+            <a:ext cx="8229240" cy="858600"/>
           </a:xfrm>
           <a:prstGeom prst="rect">
             <a:avLst/>
@@ -1834,8 +1834,8 @@
         </p:nvSpPr>
         <p:spPr>
           <a:xfrm>
-            <a:off x="311760" y="1152360"/>
-            <a:ext cx="4157280" cy="1629000"/>
+            <a:off x="457200" y="1203480"/>
+            <a:ext cx="4015800" cy="1422720"/>
           </a:xfrm>
           <a:prstGeom prst="rect">
             <a:avLst/>
@@ -1868,8 +1868,8 @@
         </p:nvSpPr>
         <p:spPr>
           <a:xfrm>
-            <a:off x="4677120" y="1152360"/>
-            <a:ext cx="4157280" cy="1629000"/>
+            <a:off x="4674240" y="1203480"/>
+            <a:ext cx="4015800" cy="1422720"/>
           </a:xfrm>
           <a:prstGeom prst="rect">
             <a:avLst/>
@@ -1902,8 +1902,8 @@
         </p:nvSpPr>
         <p:spPr>
           <a:xfrm>
-            <a:off x="311760" y="2936520"/>
-            <a:ext cx="8519760" cy="1629000"/>
+            <a:off x="457200" y="2761920"/>
+            <a:ext cx="8229240" cy="1422720"/>
           </a:xfrm>
           <a:prstGeom prst="rect">
             <a:avLst/>
@@ -1938,7 +1938,7 @@
         <p:txBody>
           <a:bodyPr/>
           <a:p>
-            <a:fld id="{0DEFB8EE-48AC-4D8F-AE8E-1F69325C914D}" type="slidenum">
+            <a:fld id="{0C228A3C-6522-476A-9F6A-37CAD3516702}" type="slidenum">
               <a:t>&lt;#&gt;</a:t>
             </a:fld>
           </a:p>
@@ -1978,8 +1978,8 @@
         </p:nvSpPr>
         <p:spPr>
           <a:xfrm>
-            <a:off x="311760" y="418320"/>
-            <a:ext cx="8519760" cy="625320"/>
+            <a:off x="457200" y="205200"/>
+            <a:ext cx="8229240" cy="858600"/>
           </a:xfrm>
           <a:prstGeom prst="rect">
             <a:avLst/>
@@ -2015,8 +2015,8 @@
         </p:nvSpPr>
         <p:spPr>
           <a:xfrm>
-            <a:off x="311760" y="1152360"/>
-            <a:ext cx="8519760" cy="1629000"/>
+            <a:off x="457200" y="1203480"/>
+            <a:ext cx="8229240" cy="1422720"/>
           </a:xfrm>
           <a:prstGeom prst="rect">
             <a:avLst/>
@@ -2049,8 +2049,8 @@
         </p:nvSpPr>
         <p:spPr>
           <a:xfrm>
-            <a:off x="311760" y="2936520"/>
-            <a:ext cx="8519760" cy="1629000"/>
+            <a:off x="457200" y="2761920"/>
+            <a:ext cx="8229240" cy="1422720"/>
           </a:xfrm>
           <a:prstGeom prst="rect">
             <a:avLst/>
@@ -2085,7 +2085,7 @@
         <p:txBody>
           <a:bodyPr/>
           <a:p>
-            <a:fld id="{5CD2AC6A-2754-445A-8712-1F0615734243}" type="slidenum">
+            <a:fld id="{B149A3BF-1BA8-4E42-BCFA-E90B896EDB97}" type="slidenum">
               <a:t>&lt;#&gt;</a:t>
             </a:fld>
           </a:p>
@@ -2125,8 +2125,8 @@
         </p:nvSpPr>
         <p:spPr>
           <a:xfrm>
-            <a:off x="311760" y="418320"/>
-            <a:ext cx="8519760" cy="625320"/>
+            <a:off x="457200" y="205200"/>
+            <a:ext cx="8229240" cy="858600"/>
           </a:xfrm>
           <a:prstGeom prst="rect">
             <a:avLst/>
@@ -2162,8 +2162,8 @@
         </p:nvSpPr>
         <p:spPr>
           <a:xfrm>
-            <a:off x="311760" y="1152360"/>
-            <a:ext cx="4157280" cy="1629000"/>
+            <a:off x="457200" y="1203480"/>
+            <a:ext cx="4015800" cy="1422720"/>
           </a:xfrm>
           <a:prstGeom prst="rect">
             <a:avLst/>
@@ -2196,8 +2196,8 @@
         </p:nvSpPr>
         <p:spPr>
           <a:xfrm>
-            <a:off x="4677120" y="1152360"/>
-            <a:ext cx="4157280" cy="1629000"/>
+            <a:off x="4674240" y="1203480"/>
+            <a:ext cx="4015800" cy="1422720"/>
           </a:xfrm>
           <a:prstGeom prst="rect">
             <a:avLst/>
@@ -2230,8 +2230,8 @@
         </p:nvSpPr>
         <p:spPr>
           <a:xfrm>
-            <a:off x="311760" y="2936520"/>
-            <a:ext cx="4157280" cy="1629000"/>
+            <a:off x="457200" y="2761920"/>
+            <a:ext cx="4015800" cy="1422720"/>
           </a:xfrm>
           <a:prstGeom prst="rect">
             <a:avLst/>
@@ -2264,8 +2264,8 @@
         </p:nvSpPr>
         <p:spPr>
           <a:xfrm>
-            <a:off x="4677120" y="2936520"/>
-            <a:ext cx="4157280" cy="1629000"/>
+            <a:off x="4674240" y="2761920"/>
+            <a:ext cx="4015800" cy="1422720"/>
           </a:xfrm>
           <a:prstGeom prst="rect">
             <a:avLst/>
@@ -2300,7 +2300,7 @@
         <p:txBody>
           <a:bodyPr/>
           <a:p>
-            <a:fld id="{F2404745-A8E7-4CA7-B448-7443BA18FA13}" type="slidenum">
+            <a:fld id="{973C276B-67AE-435B-835F-F5650DBB540E}" type="slidenum">
               <a:t>&lt;#&gt;</a:t>
             </a:fld>
           </a:p>
@@ -2340,8 +2340,8 @@
         </p:nvSpPr>
         <p:spPr>
           <a:xfrm>
-            <a:off x="311760" y="418320"/>
-            <a:ext cx="8519760" cy="625320"/>
+            <a:off x="457200" y="205200"/>
+            <a:ext cx="8229240" cy="858600"/>
           </a:xfrm>
           <a:prstGeom prst="rect">
             <a:avLst/>
@@ -2377,8 +2377,8 @@
         </p:nvSpPr>
         <p:spPr>
           <a:xfrm>
-            <a:off x="311760" y="1152360"/>
-            <a:ext cx="2743200" cy="1629000"/>
+            <a:off x="457200" y="1203480"/>
+            <a:ext cx="2649600" cy="1422720"/>
           </a:xfrm>
           <a:prstGeom prst="rect">
             <a:avLst/>
@@ -2411,8 +2411,8 @@
         </p:nvSpPr>
         <p:spPr>
           <a:xfrm>
-            <a:off x="3192480" y="1152360"/>
-            <a:ext cx="2743200" cy="1629000"/>
+            <a:off x="3239640" y="1203480"/>
+            <a:ext cx="2649600" cy="1422720"/>
           </a:xfrm>
           <a:prstGeom prst="rect">
             <a:avLst/>
@@ -2445,8 +2445,8 @@
         </p:nvSpPr>
         <p:spPr>
           <a:xfrm>
-            <a:off x="6073200" y="1152360"/>
-            <a:ext cx="2743200" cy="1629000"/>
+            <a:off x="6022080" y="1203480"/>
+            <a:ext cx="2649600" cy="1422720"/>
           </a:xfrm>
           <a:prstGeom prst="rect">
             <a:avLst/>
@@ -2479,8 +2479,8 @@
         </p:nvSpPr>
         <p:spPr>
           <a:xfrm>
-            <a:off x="311760" y="2936520"/>
-            <a:ext cx="2743200" cy="1629000"/>
+            <a:off x="457200" y="2761920"/>
+            <a:ext cx="2649600" cy="1422720"/>
           </a:xfrm>
           <a:prstGeom prst="rect">
             <a:avLst/>
@@ -2513,8 +2513,8 @@
         </p:nvSpPr>
         <p:spPr>
           <a:xfrm>
-            <a:off x="3192480" y="2936520"/>
-            <a:ext cx="2743200" cy="1629000"/>
+            <a:off x="3239640" y="2761920"/>
+            <a:ext cx="2649600" cy="1422720"/>
           </a:xfrm>
           <a:prstGeom prst="rect">
             <a:avLst/>
@@ -2547,8 +2547,8 @@
         </p:nvSpPr>
         <p:spPr>
           <a:xfrm>
-            <a:off x="6073200" y="2936520"/>
-            <a:ext cx="2743200" cy="1629000"/>
+            <a:off x="6022080" y="2761920"/>
+            <a:ext cx="2649600" cy="1422720"/>
           </a:xfrm>
           <a:prstGeom prst="rect">
             <a:avLst/>
@@ -2583,7 +2583,7 @@
         <p:txBody>
           <a:bodyPr/>
           <a:p>
-            <a:fld id="{FB0C2012-F7C5-4D1E-925F-DBB306B17961}" type="slidenum">
+            <a:fld id="{8488AE19-3040-4347-B989-D4C5927136D7}" type="slidenum">
               <a:t>&lt;#&gt;</a:t>
             </a:fld>
           </a:p>
@@ -2623,8 +2623,8 @@
         </p:nvSpPr>
         <p:spPr>
           <a:xfrm>
-            <a:off x="311760" y="418320"/>
-            <a:ext cx="8519760" cy="625320"/>
+            <a:off x="457200" y="205200"/>
+            <a:ext cx="8229240" cy="858600"/>
           </a:xfrm>
           <a:prstGeom prst="rect">
             <a:avLst/>
@@ -2660,8 +2660,8 @@
         </p:nvSpPr>
         <p:spPr>
           <a:xfrm>
-            <a:off x="311760" y="1152360"/>
-            <a:ext cx="8519760" cy="3415680"/>
+            <a:off x="457200" y="1203480"/>
+            <a:ext cx="8229240" cy="2982960"/>
           </a:xfrm>
           <a:prstGeom prst="rect">
             <a:avLst/>
@@ -2696,7 +2696,7 @@
         <p:txBody>
           <a:bodyPr/>
           <a:p>
-            <a:fld id="{F44FEFE2-F47B-4791-ABF9-DC4D25ED3BA4}" type="slidenum">
+            <a:fld id="{55B87A4D-06AA-46CF-AA4D-C971FFC658E8}" type="slidenum">
               <a:t>&lt;#&gt;</a:t>
             </a:fld>
           </a:p>
@@ -2736,8 +2736,8 @@
         </p:nvSpPr>
         <p:spPr>
           <a:xfrm>
-            <a:off x="311760" y="418320"/>
-            <a:ext cx="8519760" cy="625320"/>
+            <a:off x="457200" y="205200"/>
+            <a:ext cx="8229240" cy="858600"/>
           </a:xfrm>
           <a:prstGeom prst="rect">
             <a:avLst/>
@@ -2773,8 +2773,8 @@
         </p:nvSpPr>
         <p:spPr>
           <a:xfrm>
-            <a:off x="311760" y="1152360"/>
-            <a:ext cx="4157280" cy="3415680"/>
+            <a:off x="457200" y="1203480"/>
+            <a:ext cx="4015800" cy="2982960"/>
           </a:xfrm>
           <a:prstGeom prst="rect">
             <a:avLst/>
@@ -2807,8 +2807,8 @@
         </p:nvSpPr>
         <p:spPr>
           <a:xfrm>
-            <a:off x="4677120" y="1152360"/>
-            <a:ext cx="4157280" cy="3415680"/>
+            <a:off x="4674240" y="1203480"/>
+            <a:ext cx="4015800" cy="2982960"/>
           </a:xfrm>
           <a:prstGeom prst="rect">
             <a:avLst/>
@@ -2843,7 +2843,7 @@
         <p:txBody>
           <a:bodyPr/>
           <a:p>
-            <a:fld id="{731BFB32-5ED6-41AC-AA8C-93824F991FE5}" type="slidenum">
+            <a:fld id="{0F49E3C4-FDBF-4E7E-8A2E-4504BCC72B11}" type="slidenum">
               <a:t>&lt;#&gt;</a:t>
             </a:fld>
           </a:p>
@@ -2883,8 +2883,8 @@
         </p:nvSpPr>
         <p:spPr>
           <a:xfrm>
-            <a:off x="311760" y="418320"/>
-            <a:ext cx="8519760" cy="625320"/>
+            <a:off x="457200" y="205200"/>
+            <a:ext cx="8229240" cy="858600"/>
           </a:xfrm>
           <a:prstGeom prst="rect">
             <a:avLst/>
@@ -2922,7 +2922,7 @@
         <p:txBody>
           <a:bodyPr/>
           <a:p>
-            <a:fld id="{4B0B31D2-B77C-4435-BD37-A582858F2E8F}" type="slidenum">
+            <a:fld id="{AAB72AE1-E2DA-41A7-8427-1E79E393626A}" type="slidenum">
               <a:t>&lt;#&gt;</a:t>
             </a:fld>
           </a:p>
@@ -2962,8 +2962,8 @@
         </p:nvSpPr>
         <p:spPr>
           <a:xfrm>
-            <a:off x="311760" y="444960"/>
-            <a:ext cx="8519760" cy="2652840"/>
+            <a:off x="457200" y="205200"/>
+            <a:ext cx="8229240" cy="3981240"/>
           </a:xfrm>
           <a:prstGeom prst="rect">
             <a:avLst/>
@@ -3001,7 +3001,7 @@
         <p:txBody>
           <a:bodyPr/>
           <a:p>
-            <a:fld id="{9E3E8AB0-FC80-4009-BE1E-A2257A76DDB7}" type="slidenum">
+            <a:fld id="{C3EEE680-7014-4BEA-869E-7839C6F734B7}" type="slidenum">
               <a:t>&lt;#&gt;</a:t>
             </a:fld>
           </a:p>
@@ -3041,8 +3041,8 @@
         </p:nvSpPr>
         <p:spPr>
           <a:xfrm>
-            <a:off x="311760" y="418320"/>
-            <a:ext cx="8519760" cy="625320"/>
+            <a:off x="457200" y="205200"/>
+            <a:ext cx="8229240" cy="858600"/>
           </a:xfrm>
           <a:prstGeom prst="rect">
             <a:avLst/>
@@ -3078,8 +3078,8 @@
         </p:nvSpPr>
         <p:spPr>
           <a:xfrm>
-            <a:off x="311760" y="1152360"/>
-            <a:ext cx="4157280" cy="1629000"/>
+            <a:off x="457200" y="1203480"/>
+            <a:ext cx="4015800" cy="1422720"/>
           </a:xfrm>
           <a:prstGeom prst="rect">
             <a:avLst/>
@@ -3112,8 +3112,8 @@
         </p:nvSpPr>
         <p:spPr>
           <a:xfrm>
-            <a:off x="4677120" y="1152360"/>
-            <a:ext cx="4157280" cy="3415680"/>
+            <a:off x="4674240" y="1203480"/>
+            <a:ext cx="4015800" cy="2982960"/>
           </a:xfrm>
           <a:prstGeom prst="rect">
             <a:avLst/>
@@ -3146,8 +3146,8 @@
         </p:nvSpPr>
         <p:spPr>
           <a:xfrm>
-            <a:off x="311760" y="2936520"/>
-            <a:ext cx="4157280" cy="1629000"/>
+            <a:off x="457200" y="2761920"/>
+            <a:ext cx="4015800" cy="1422720"/>
           </a:xfrm>
           <a:prstGeom prst="rect">
             <a:avLst/>
@@ -3182,7 +3182,7 @@
         <p:txBody>
           <a:bodyPr/>
           <a:p>
-            <a:fld id="{D5D1AF35-DB51-4EFE-B11F-2F4CBC5BE8CC}" type="slidenum">
+            <a:fld id="{645276E2-427B-4B18-AADF-5C7383418D06}" type="slidenum">
               <a:t>&lt;#&gt;</a:t>
             </a:fld>
           </a:p>
@@ -3222,8 +3222,8 @@
         </p:nvSpPr>
         <p:spPr>
           <a:xfrm>
-            <a:off x="311760" y="418320"/>
-            <a:ext cx="8519760" cy="625320"/>
+            <a:off x="457200" y="205200"/>
+            <a:ext cx="8229240" cy="858600"/>
           </a:xfrm>
           <a:prstGeom prst="rect">
             <a:avLst/>
@@ -3259,8 +3259,8 @@
         </p:nvSpPr>
         <p:spPr>
           <a:xfrm>
-            <a:off x="311760" y="1152360"/>
-            <a:ext cx="4157280" cy="3415680"/>
+            <a:off x="457200" y="1203480"/>
+            <a:ext cx="4015800" cy="2982960"/>
           </a:xfrm>
           <a:prstGeom prst="rect">
             <a:avLst/>
@@ -3293,8 +3293,8 @@
         </p:nvSpPr>
         <p:spPr>
           <a:xfrm>
-            <a:off x="4677120" y="1152360"/>
-            <a:ext cx="4157280" cy="1629000"/>
+            <a:off x="4674240" y="1203480"/>
+            <a:ext cx="4015800" cy="1422720"/>
           </a:xfrm>
           <a:prstGeom prst="rect">
             <a:avLst/>
@@ -3327,8 +3327,8 @@
         </p:nvSpPr>
         <p:spPr>
           <a:xfrm>
-            <a:off x="4677120" y="2936520"/>
-            <a:ext cx="4157280" cy="1629000"/>
+            <a:off x="4674240" y="2761920"/>
+            <a:ext cx="4015800" cy="1422720"/>
           </a:xfrm>
           <a:prstGeom prst="rect">
             <a:avLst/>
@@ -3363,7 +3363,7 @@
         <p:txBody>
           <a:bodyPr/>
           <a:p>
-            <a:fld id="{1531D6C3-9410-430F-BE4D-8BFE991F43D4}" type="slidenum">
+            <a:fld id="{F7328C09-68D9-41B3-B65E-A13DEAA43373}" type="slidenum">
               <a:t>&lt;#&gt;</a:t>
             </a:fld>
           </a:p>
@@ -3403,8 +3403,8 @@
         </p:nvSpPr>
         <p:spPr>
           <a:xfrm>
-            <a:off x="311760" y="418320"/>
-            <a:ext cx="8519760" cy="625320"/>
+            <a:off x="457200" y="205200"/>
+            <a:ext cx="8229240" cy="858600"/>
           </a:xfrm>
           <a:prstGeom prst="rect">
             <a:avLst/>
@@ -3440,8 +3440,8 @@
         </p:nvSpPr>
         <p:spPr>
           <a:xfrm>
-            <a:off x="311760" y="1152360"/>
-            <a:ext cx="4157280" cy="1629000"/>
+            <a:off x="457200" y="1203480"/>
+            <a:ext cx="4015800" cy="1422720"/>
           </a:xfrm>
           <a:prstGeom prst="rect">
             <a:avLst/>
@@ -3474,8 +3474,8 @@
         </p:nvSpPr>
         <p:spPr>
           <a:xfrm>
-            <a:off x="4677120" y="1152360"/>
-            <a:ext cx="4157280" cy="1629000"/>
+            <a:off x="4674240" y="1203480"/>
+            <a:ext cx="4015800" cy="1422720"/>
           </a:xfrm>
           <a:prstGeom prst="rect">
             <a:avLst/>
@@ -3508,8 +3508,8 @@
         </p:nvSpPr>
         <p:spPr>
           <a:xfrm>
-            <a:off x="311760" y="2936520"/>
-            <a:ext cx="8519760" cy="1629000"/>
+            <a:off x="457200" y="2761920"/>
+            <a:ext cx="8229240" cy="1422720"/>
           </a:xfrm>
           <a:prstGeom prst="rect">
             <a:avLst/>
@@ -3544,7 +3544,7 @@
         <p:txBody>
           <a:bodyPr/>
           <a:p>
-            <a:fld id="{C8228E26-78D5-44B0-910B-42975F83D8D1}" type="slidenum">
+            <a:fld id="{D2ED6CA2-174F-4E57-80C1-1CEE69B3F4E7}" type="slidenum">
               <a:t>&lt;#&gt;</a:t>
             </a:fld>
           </a:p>
@@ -3591,8 +3591,8 @@
         </p:nvSpPr>
         <p:spPr>
           <a:xfrm>
-            <a:off x="311760" y="444960"/>
-            <a:ext cx="8519760" cy="572040"/>
+            <a:off x="311760" y="418320"/>
+            <a:ext cx="8519400" cy="624960"/>
           </a:xfrm>
           <a:prstGeom prst="rect">
             <a:avLst/>
@@ -3611,29 +3611,200 @@
               <a:rPr b="0" lang="en-US" sz="1800" spc="-1" strike="noStrike">
                 <a:latin typeface="Arial"/>
               </a:rPr>
-              <a:t>Click to edit </a:t>
-            </a:r>
+              <a:t>Click to edit the title text format</a:t>
+            </a:r>
+            <a:endParaRPr b="0" lang="en-US" sz="1800" spc="-1" strike="noStrike">
+              <a:latin typeface="Arial"/>
+            </a:endParaRPr>
+          </a:p>
+        </p:txBody>
+      </p:sp>
+      <p:sp>
+        <p:nvSpPr>
+          <p:cNvPr id="1" name="PlaceHolder 2"/>
+          <p:cNvSpPr>
+            <a:spLocks noGrp="1"/>
+          </p:cNvSpPr>
+          <p:nvPr>
+            <p:ph type="body"/>
+          </p:nvPr>
+        </p:nvSpPr>
+        <p:spPr>
+          <a:xfrm>
+            <a:off x="311760" y="1152360"/>
+            <a:ext cx="8519400" cy="3415320"/>
+          </a:xfrm>
+          <a:prstGeom prst="rect">
+            <a:avLst/>
+          </a:prstGeom>
+          <a:noFill/>
+          <a:ln w="0">
+            <a:noFill/>
+          </a:ln>
+        </p:spPr>
+        <p:txBody>
+          <a:bodyPr lIns="0" rIns="0" tIns="0" bIns="0" anchor="t">
+            <a:normAutofit/>
+          </a:bodyPr>
+          <a:p>
+            <a:pPr marL="432000" indent="-324000">
+              <a:spcBef>
+                <a:spcPts val="1417"/>
+              </a:spcBef>
+              <a:buClr>
+                <a:srgbClr val="000000"/>
+              </a:buClr>
+              <a:buSzPct val="45000"/>
+              <a:buFont typeface="Wingdings" charset="2"/>
+              <a:buChar char=""/>
+            </a:pPr>
             <a:r>
               <a:rPr b="0" lang="en-US" sz="1800" spc="-1" strike="noStrike">
                 <a:latin typeface="Arial"/>
               </a:rPr>
-              <a:t>the title text </a:t>
-            </a:r>
+              <a:t>Click to edit the outline text format</a:t>
+            </a:r>
+            <a:endParaRPr b="0" lang="en-US" sz="1800" spc="-1" strike="noStrike">
+              <a:latin typeface="Arial"/>
+            </a:endParaRPr>
+          </a:p>
+          <a:p>
+            <a:pPr lvl="1" marL="864000" indent="-324000">
+              <a:spcBef>
+                <a:spcPts val="1134"/>
+              </a:spcBef>
+              <a:buClr>
+                <a:srgbClr val="000000"/>
+              </a:buClr>
+              <a:buSzPct val="75000"/>
+              <a:buFont typeface="Symbol" charset="2"/>
+              <a:buChar char=""/>
+            </a:pPr>
             <a:r>
               <a:rPr b="0" lang="en-US" sz="1800" spc="-1" strike="noStrike">
                 <a:latin typeface="Arial"/>
               </a:rPr>
-              <a:t>format</a:t>
+              <a:t>Second Outline Level</a:t>
             </a:r>
             <a:endParaRPr b="0" lang="en-US" sz="1800" spc="-1" strike="noStrike">
               <a:latin typeface="Arial"/>
             </a:endParaRPr>
           </a:p>
-        </p:txBody>
-      </p:sp>
-      <p:sp>
-        <p:nvSpPr>
-          <p:cNvPr id="1" name="PlaceHolder 2"/>
+          <a:p>
+            <a:pPr lvl="2" marL="1296000" indent="-288000">
+              <a:spcBef>
+                <a:spcPts val="850"/>
+              </a:spcBef>
+              <a:buClr>
+                <a:srgbClr val="000000"/>
+              </a:buClr>
+              <a:buSzPct val="45000"/>
+              <a:buFont typeface="Wingdings" charset="2"/>
+              <a:buChar char=""/>
+            </a:pPr>
+            <a:r>
+              <a:rPr b="0" lang="en-US" sz="1800" spc="-1" strike="noStrike">
+                <a:latin typeface="Arial"/>
+              </a:rPr>
+              <a:t>Third Outline Level</a:t>
+            </a:r>
+            <a:endParaRPr b="0" lang="en-US" sz="1800" spc="-1" strike="noStrike">
+              <a:latin typeface="Arial"/>
+            </a:endParaRPr>
+          </a:p>
+          <a:p>
+            <a:pPr lvl="3" marL="1728000" indent="-216000">
+              <a:spcBef>
+                <a:spcPts val="567"/>
+              </a:spcBef>
+              <a:buClr>
+                <a:srgbClr val="000000"/>
+              </a:buClr>
+              <a:buSzPct val="75000"/>
+              <a:buFont typeface="Symbol" charset="2"/>
+              <a:buChar char=""/>
+            </a:pPr>
+            <a:r>
+              <a:rPr b="0" lang="en-US" sz="1800" spc="-1" strike="noStrike">
+                <a:latin typeface="Arial"/>
+              </a:rPr>
+              <a:t>Fourth Outline Level</a:t>
+            </a:r>
+            <a:endParaRPr b="0" lang="en-US" sz="1800" spc="-1" strike="noStrike">
+              <a:latin typeface="Arial"/>
+            </a:endParaRPr>
+          </a:p>
+          <a:p>
+            <a:pPr lvl="4" marL="2160000" indent="-216000">
+              <a:spcBef>
+                <a:spcPts val="283"/>
+              </a:spcBef>
+              <a:buClr>
+                <a:srgbClr val="000000"/>
+              </a:buClr>
+              <a:buSzPct val="45000"/>
+              <a:buFont typeface="Wingdings" charset="2"/>
+              <a:buChar char=""/>
+            </a:pPr>
+            <a:r>
+              <a:rPr b="0" lang="en-US" sz="1800" spc="-1" strike="noStrike">
+                <a:latin typeface="Arial"/>
+              </a:rPr>
+              <a:t>Fifth Outline Level</a:t>
+            </a:r>
+            <a:endParaRPr b="0" lang="en-US" sz="1800" spc="-1" strike="noStrike">
+              <a:latin typeface="Arial"/>
+            </a:endParaRPr>
+          </a:p>
+          <a:p>
+            <a:pPr lvl="5" marL="2592000" indent="-216000">
+              <a:spcBef>
+                <a:spcPts val="283"/>
+              </a:spcBef>
+              <a:buClr>
+                <a:srgbClr val="000000"/>
+              </a:buClr>
+              <a:buSzPct val="45000"/>
+              <a:buFont typeface="Wingdings" charset="2"/>
+              <a:buChar char=""/>
+            </a:pPr>
+            <a:r>
+              <a:rPr b="0" lang="en-US" sz="1800" spc="-1" strike="noStrike">
+                <a:latin typeface="Arial"/>
+              </a:rPr>
+              <a:t>Sixth Outline Level</a:t>
+            </a:r>
+            <a:endParaRPr b="0" lang="en-US" sz="1800" spc="-1" strike="noStrike">
+              <a:latin typeface="Arial"/>
+            </a:endParaRPr>
+          </a:p>
+          <a:p>
+            <a:pPr lvl="6" marL="3024000" indent="-216000">
+              <a:spcBef>
+                <a:spcPts val="283"/>
+              </a:spcBef>
+              <a:buClr>
+                <a:srgbClr val="000000"/>
+              </a:buClr>
+              <a:buSzPct val="45000"/>
+              <a:buFont typeface="Wingdings" charset="2"/>
+              <a:buChar char=""/>
+            </a:pPr>
+            <a:r>
+              <a:rPr b="0" lang="en-US" sz="1800" spc="-1" strike="noStrike">
+                <a:latin typeface="Arial"/>
+              </a:rPr>
+              <a:t>Seventh Outline Level</a:t>
+            </a:r>
+            <a:endParaRPr b="0" lang="en-US" sz="1800" spc="-1" strike="noStrike">
+              <a:latin typeface="Arial"/>
+            </a:endParaRPr>
+          </a:p>
+        </p:txBody>
+      </p:sp>
+      <p:sp>
+        <p:nvSpPr>
+          <p:cNvPr id="2" name="PlaceHolder 3"/>
           <p:cNvSpPr>
             <a:spLocks noGrp="1"/>
           </p:cNvSpPr>
@@ -3644,7 +3815,7 @@
         <p:spPr>
           <a:xfrm>
             <a:off x="8472600" y="4663080"/>
-            <a:ext cx="547920" cy="392760"/>
+            <a:ext cx="547560" cy="392400"/>
           </a:xfrm>
           <a:prstGeom prst="rect">
             <a:avLst/>
@@ -3686,7 +3857,7 @@
                 <a:tab algn="l" pos="0"/>
               </a:tabLst>
             </a:pPr>
-            <a:fld id="{E354DE7B-1B55-4D07-B20D-B445BAA87E04}" type="slidenum">
+            <a:fld id="{38B0CD3B-0407-47DB-B559-7D9686E3BD28}" type="slidenum">
               <a:rPr b="0" lang="en-US" sz="1000" spc="-1" strike="noStrike">
                 <a:solidFill>
                   <a:srgbClr val="595959"/>
@@ -3698,189 +3869,6 @@
             </a:fld>
             <a:endParaRPr b="0" lang="en-US" sz="1000" spc="-1" strike="noStrike">
               <a:latin typeface="Times New Roman"/>
-            </a:endParaRPr>
-          </a:p>
-        </p:txBody>
-      </p:sp>
-      <p:sp>
-        <p:nvSpPr>
-          <p:cNvPr id="2" name="PlaceHolder 3"/>
-          <p:cNvSpPr>
-            <a:spLocks noGrp="1"/>
-          </p:cNvSpPr>
-          <p:nvPr>
-            <p:ph type="body"/>
-          </p:nvPr>
-        </p:nvSpPr>
-        <p:spPr>
-          <a:xfrm>
-            <a:off x="457200" y="1203480"/>
-            <a:ext cx="8229240" cy="2982960"/>
-          </a:xfrm>
-          <a:prstGeom prst="rect">
-            <a:avLst/>
-          </a:prstGeom>
-          <a:noFill/>
-          <a:ln w="0">
-            <a:noFill/>
-          </a:ln>
-        </p:spPr>
-        <p:txBody>
-          <a:bodyPr lIns="0" rIns="0" tIns="0" bIns="0" anchor="t">
-            <a:normAutofit/>
-          </a:bodyPr>
-          <a:p>
-            <a:pPr marL="432000" indent="-324000">
-              <a:spcBef>
-                <a:spcPts val="1417"/>
-              </a:spcBef>
-              <a:buClr>
-                <a:srgbClr val="000000"/>
-              </a:buClr>
-              <a:buSzPct val="45000"/>
-              <a:buFont typeface="Wingdings" charset="2"/>
-              <a:buChar char=""/>
-            </a:pPr>
-            <a:r>
-              <a:rPr b="0" lang="en-US" sz="3200" spc="-1" strike="noStrike">
-                <a:latin typeface="Arial"/>
-              </a:rPr>
-              <a:t>Click to edit the outline text format</a:t>
-            </a:r>
-            <a:endParaRPr b="0" lang="en-US" sz="3200" spc="-1" strike="noStrike">
-              <a:latin typeface="Arial"/>
-            </a:endParaRPr>
-          </a:p>
-          <a:p>
-            <a:pPr lvl="1" marL="864000" indent="-324000">
-              <a:spcBef>
-                <a:spcPts val="1134"/>
-              </a:spcBef>
-              <a:buClr>
-                <a:srgbClr val="000000"/>
-              </a:buClr>
-              <a:buSzPct val="75000"/>
-              <a:buFont typeface="Symbol" charset="2"/>
-              <a:buChar char=""/>
-            </a:pPr>
-            <a:r>
-              <a:rPr b="0" lang="en-US" sz="2800" spc="-1" strike="noStrike">
-                <a:latin typeface="Arial"/>
-              </a:rPr>
-              <a:t>Second Outline Level</a:t>
-            </a:r>
-            <a:endParaRPr b="0" lang="en-US" sz="2800" spc="-1" strike="noStrike">
-              <a:latin typeface="Arial"/>
-            </a:endParaRPr>
-          </a:p>
-          <a:p>
-            <a:pPr lvl="2" marL="1296000" indent="-288000">
-              <a:spcBef>
-                <a:spcPts val="850"/>
-              </a:spcBef>
-              <a:buClr>
-                <a:srgbClr val="000000"/>
-              </a:buClr>
-              <a:buSzPct val="45000"/>
-              <a:buFont typeface="Wingdings" charset="2"/>
-              <a:buChar char=""/>
-            </a:pPr>
-            <a:r>
-              <a:rPr b="0" lang="en-US" sz="2400" spc="-1" strike="noStrike">
-                <a:latin typeface="Arial"/>
-              </a:rPr>
-              <a:t>Third Outline Level</a:t>
-            </a:r>
-            <a:endParaRPr b="0" lang="en-US" sz="2400" spc="-1" strike="noStrike">
-              <a:latin typeface="Arial"/>
-            </a:endParaRPr>
-          </a:p>
-          <a:p>
-            <a:pPr lvl="3" marL="1728000" indent="-216000">
-              <a:spcBef>
-                <a:spcPts val="567"/>
-              </a:spcBef>
-              <a:buClr>
-                <a:srgbClr val="000000"/>
-              </a:buClr>
-              <a:buSzPct val="75000"/>
-              <a:buFont typeface="Symbol" charset="2"/>
-              <a:buChar char=""/>
-            </a:pPr>
-            <a:r>
-              <a:rPr b="0" lang="en-US" sz="2000" spc="-1" strike="noStrike">
-                <a:latin typeface="Arial"/>
-              </a:rPr>
-              <a:t>Fourth Outline Level</a:t>
-            </a:r>
-            <a:endParaRPr b="0" lang="en-US" sz="2000" spc="-1" strike="noStrike">
-              <a:latin typeface="Arial"/>
-            </a:endParaRPr>
-          </a:p>
-          <a:p>
-            <a:pPr lvl="4" marL="2160000" indent="-216000">
-              <a:spcBef>
-                <a:spcPts val="283"/>
-              </a:spcBef>
-              <a:buClr>
-                <a:srgbClr val="000000"/>
-              </a:buClr>
-              <a:buSzPct val="45000"/>
-              <a:buFont typeface="Wingdings" charset="2"/>
-              <a:buChar char=""/>
-            </a:pPr>
-            <a:r>
-              <a:rPr b="0" lang="en-US" sz="2000" spc="-1" strike="noStrike">
-                <a:latin typeface="Arial"/>
-              </a:rPr>
-              <a:t>Fifth Outline Level</a:t>
-            </a:r>
-            <a:endParaRPr b="0" lang="en-US" sz="2000" spc="-1" strike="noStrike">
-              <a:latin typeface="Arial"/>
-            </a:endParaRPr>
-          </a:p>
-          <a:p>
-            <a:pPr lvl="5" marL="2592000" indent="-216000">
-              <a:spcBef>
-                <a:spcPts val="283"/>
-              </a:spcBef>
-              <a:buClr>
-                <a:srgbClr val="000000"/>
-              </a:buClr>
-              <a:buSzPct val="45000"/>
-              <a:buFont typeface="Wingdings" charset="2"/>
-              <a:buChar char=""/>
-            </a:pPr>
-            <a:r>
-              <a:rPr b="0" lang="en-US" sz="2000" spc="-1" strike="noStrike">
-                <a:latin typeface="Arial"/>
-              </a:rPr>
-              <a:t>Sixth Outline Level</a:t>
-            </a:r>
-            <a:endParaRPr b="0" lang="en-US" sz="2000" spc="-1" strike="noStrike">
-              <a:latin typeface="Arial"/>
-            </a:endParaRPr>
-          </a:p>
-          <a:p>
-            <a:pPr lvl="6" marL="3024000" indent="-216000">
-              <a:spcBef>
-                <a:spcPts val="283"/>
-              </a:spcBef>
-              <a:buClr>
-                <a:srgbClr val="000000"/>
-              </a:buClr>
-              <a:buSzPct val="45000"/>
-              <a:buFont typeface="Wingdings" charset="2"/>
-              <a:buChar char=""/>
-            </a:pPr>
-            <a:r>
-              <a:rPr b="0" lang="en-US" sz="2000" spc="-1" strike="noStrike">
-                <a:latin typeface="Arial"/>
-              </a:rPr>
-              <a:t>Seventh Outline Level</a:t>
-            </a:r>
-            <a:endParaRPr b="0" lang="en-US" sz="2000" spc="-1" strike="noStrike">
-              <a:latin typeface="Arial"/>
             </a:endParaRPr>
           </a:p>
         </p:txBody>
@@ -3936,13 +3924,84 @@
             <a:spLocks noGrp="1"/>
           </p:cNvSpPr>
           <p:nvPr>
+            <p:ph type="sldNum" idx="2"/>
+          </p:nvPr>
+        </p:nvSpPr>
+        <p:spPr>
+          <a:xfrm>
+            <a:off x="8472600" y="4663080"/>
+            <a:ext cx="547560" cy="392400"/>
+          </a:xfrm>
+          <a:prstGeom prst="rect">
+            <a:avLst/>
+          </a:prstGeom>
+          <a:noFill/>
+          <a:ln w="0">
+            <a:noFill/>
+          </a:ln>
+        </p:spPr>
+        <p:txBody>
+          <a:bodyPr lIns="90000" rIns="90000" tIns="91440" bIns="91440" anchor="ctr">
+            <a:noAutofit/>
+          </a:bodyPr>
+          <a:lstStyle>
+            <a:lvl1pPr algn="r">
+              <a:lnSpc>
+                <a:spcPct val="100000"/>
+              </a:lnSpc>
+              <a:buNone/>
+              <a:tabLst>
+                <a:tab algn="l" pos="0"/>
+              </a:tabLst>
+              <a:defRPr b="0" lang="en-US" sz="1000" spc="-1" strike="noStrike">
+                <a:solidFill>
+                  <a:srgbClr val="595959"/>
+                </a:solidFill>
+                <a:latin typeface="Arial"/>
+                <a:ea typeface="Arial"/>
+              </a:defRPr>
+            </a:lvl1pPr>
+          </a:lstStyle>
+          <a:p>
+            <a:pPr algn="r">
+              <a:lnSpc>
+                <a:spcPct val="100000"/>
+              </a:lnSpc>
+              <a:buNone/>
+              <a:tabLst>
+                <a:tab algn="l" pos="0"/>
+              </a:tabLst>
+            </a:pPr>
+            <a:fld id="{97A9D59E-AC17-481B-9FDD-21B426B06AFB}" type="slidenum">
+              <a:rPr b="0" lang="en-US" sz="1000" spc="-1" strike="noStrike">
+                <a:solidFill>
+                  <a:srgbClr val="595959"/>
+                </a:solidFill>
+                <a:latin typeface="Arial"/>
+                <a:ea typeface="Arial"/>
+              </a:rPr>
+              <a:t>&lt;number&gt;</a:t>
+            </a:fld>
+            <a:endParaRPr b="0" lang="en-US" sz="1000" spc="-1" strike="noStrike">
+              <a:latin typeface="Times New Roman"/>
+            </a:endParaRPr>
+          </a:p>
+        </p:txBody>
+      </p:sp>
+      <p:sp>
+        <p:nvSpPr>
+          <p:cNvPr id="40" name="PlaceHolder 2"/>
+          <p:cNvSpPr>
+            <a:spLocks noGrp="1"/>
+          </p:cNvSpPr>
+          <p:nvPr>
             <p:ph type="title"/>
           </p:nvPr>
         </p:nvSpPr>
         <p:spPr>
           <a:xfrm>
-            <a:off x="311760" y="444960"/>
-            <a:ext cx="8519760" cy="572040"/>
+            <a:off x="457200" y="205200"/>
+            <a:ext cx="8229240" cy="858600"/>
           </a:xfrm>
           <a:prstGeom prst="rect">
             <a:avLst/>
@@ -3957,117 +4016,216 @@
             <a:noAutofit/>
           </a:bodyPr>
           <a:p>
-            <a:r>
-              <a:rPr b="0" lang="en-US" sz="1800" spc="-1" strike="noStrike">
-                <a:latin typeface="Arial"/>
-              </a:rPr>
-              <a:t>Cl</a:t>
-            </a:r>
-            <a:r>
-              <a:rPr b="0" lang="en-US" sz="1800" spc="-1" strike="noStrike">
-                <a:latin typeface="Arial"/>
-              </a:rPr>
-              <a:t>ic</a:t>
-            </a:r>
-            <a:r>
-              <a:rPr b="0" lang="en-US" sz="1800" spc="-1" strike="noStrike">
-                <a:latin typeface="Arial"/>
-              </a:rPr>
-              <a:t>k </a:t>
-            </a:r>
-            <a:r>
-              <a:rPr b="0" lang="en-US" sz="1800" spc="-1" strike="noStrike">
-                <a:latin typeface="Arial"/>
-              </a:rPr>
-              <a:t>to </a:t>
-            </a:r>
-            <a:r>
-              <a:rPr b="0" lang="en-US" sz="1800" spc="-1" strike="noStrike">
+            <a:pPr algn="ctr">
+              <a:buNone/>
+            </a:pPr>
+            <a:r>
+              <a:rPr b="0" lang="en-US" sz="4400" spc="-1" strike="noStrike">
+                <a:latin typeface="Arial"/>
+              </a:rPr>
+              <a:t>C</a:t>
+            </a:r>
+            <a:r>
+              <a:rPr b="0" lang="en-US" sz="4400" spc="-1" strike="noStrike">
+                <a:latin typeface="Arial"/>
+              </a:rPr>
+              <a:t>l</a:t>
+            </a:r>
+            <a:r>
+              <a:rPr b="0" lang="en-US" sz="4400" spc="-1" strike="noStrike">
+                <a:latin typeface="Arial"/>
+              </a:rPr>
+              <a:t>i</a:t>
+            </a:r>
+            <a:r>
+              <a:rPr b="0" lang="en-US" sz="4400" spc="-1" strike="noStrike">
+                <a:latin typeface="Arial"/>
+              </a:rPr>
+              <a:t>c</a:t>
+            </a:r>
+            <a:r>
+              <a:rPr b="0" lang="en-US" sz="4400" spc="-1" strike="noStrike">
+                <a:latin typeface="Arial"/>
+              </a:rPr>
+              <a:t>k</a:t>
+            </a:r>
+            <a:r>
+              <a:rPr b="0" lang="en-US" sz="4400" spc="-1" strike="noStrike">
+                <a:latin typeface="Arial"/>
+              </a:rPr>
+              <a:t> </a:t>
+            </a:r>
+            <a:r>
+              <a:rPr b="0" lang="en-US" sz="4400" spc="-1" strike="noStrike">
+                <a:latin typeface="Arial"/>
+              </a:rPr>
+              <a:t>t</a:t>
+            </a:r>
+            <a:r>
+              <a:rPr b="0" lang="en-US" sz="4400" spc="-1" strike="noStrike">
+                <a:latin typeface="Arial"/>
+              </a:rPr>
+              <a:t>o</a:t>
+            </a:r>
+            <a:r>
+              <a:rPr b="0" lang="en-US" sz="4400" spc="-1" strike="noStrike">
+                <a:latin typeface="Arial"/>
+              </a:rPr>
+              <a:t> </a:t>
+            </a:r>
+            <a:r>
+              <a:rPr b="0" lang="en-US" sz="4400" spc="-1" strike="noStrike">
                 <a:latin typeface="Arial"/>
               </a:rPr>
               <a:t>e</a:t>
             </a:r>
             <a:r>
-              <a:rPr b="0" lang="en-US" sz="1800" spc="-1" strike="noStrike">
-                <a:latin typeface="Arial"/>
-              </a:rPr>
-              <a:t>di</a:t>
-            </a:r>
-            <a:r>
-              <a:rPr b="0" lang="en-US" sz="1800" spc="-1" strike="noStrike">
+              <a:rPr b="0" lang="en-US" sz="4400" spc="-1" strike="noStrike">
+                <a:latin typeface="Arial"/>
+              </a:rPr>
+              <a:t>d</a:t>
+            </a:r>
+            <a:r>
+              <a:rPr b="0" lang="en-US" sz="4400" spc="-1" strike="noStrike">
+                <a:latin typeface="Arial"/>
+              </a:rPr>
+              <a:t>i</a:t>
+            </a:r>
+            <a:r>
+              <a:rPr b="0" lang="en-US" sz="4400" spc="-1" strike="noStrike">
                 <a:latin typeface="Arial"/>
               </a:rPr>
               <a:t>t </a:t>
             </a:r>
             <a:r>
-              <a:rPr b="0" lang="en-US" sz="1800" spc="-1" strike="noStrike">
-                <a:latin typeface="Arial"/>
-              </a:rPr>
-              <a:t>th</a:t>
-            </a:r>
-            <a:r>
-              <a:rPr b="0" lang="en-US" sz="1800" spc="-1" strike="noStrike">
-                <a:latin typeface="Arial"/>
-              </a:rPr>
-              <a:t>e </a:t>
-            </a:r>
-            <a:r>
-              <a:rPr b="0" lang="en-US" sz="1800" spc="-1" strike="noStrike">
-                <a:latin typeface="Arial"/>
-              </a:rPr>
-              <a:t>tit</a:t>
-            </a:r>
-            <a:r>
-              <a:rPr b="0" lang="en-US" sz="1800" spc="-1" strike="noStrike">
-                <a:latin typeface="Arial"/>
-              </a:rPr>
-              <a:t>le </a:t>
-            </a:r>
-            <a:r>
-              <a:rPr b="0" lang="en-US" sz="1800" spc="-1" strike="noStrike">
-                <a:latin typeface="Arial"/>
-              </a:rPr>
-              <a:t>te</a:t>
-            </a:r>
-            <a:r>
-              <a:rPr b="0" lang="en-US" sz="1800" spc="-1" strike="noStrike">
-                <a:latin typeface="Arial"/>
-              </a:rPr>
-              <a:t>xt </a:t>
-            </a:r>
-            <a:r>
-              <a:rPr b="0" lang="en-US" sz="1800" spc="-1" strike="noStrike">
-                <a:latin typeface="Arial"/>
-              </a:rPr>
-              <a:t>fo</a:t>
-            </a:r>
-            <a:r>
-              <a:rPr b="0" lang="en-US" sz="1800" spc="-1" strike="noStrike">
+              <a:rPr b="0" lang="en-US" sz="4400" spc="-1" strike="noStrike">
+                <a:latin typeface="Arial"/>
+              </a:rPr>
+              <a:t>t</a:t>
+            </a:r>
+            <a:r>
+              <a:rPr b="0" lang="en-US" sz="4400" spc="-1" strike="noStrike">
+                <a:latin typeface="Arial"/>
+              </a:rPr>
+              <a:t>h</a:t>
+            </a:r>
+            <a:r>
+              <a:rPr b="0" lang="en-US" sz="4400" spc="-1" strike="noStrike">
+                <a:latin typeface="Arial"/>
+              </a:rPr>
+              <a:t>e</a:t>
+            </a:r>
+            <a:r>
+              <a:rPr b="0" lang="en-US" sz="4400" spc="-1" strike="noStrike">
+                <a:latin typeface="Arial"/>
+              </a:rPr>
+              <a:t> </a:t>
+            </a:r>
+            <a:r>
+              <a:rPr b="0" lang="en-US" sz="4400" spc="-1" strike="noStrike">
+                <a:latin typeface="Arial"/>
+              </a:rPr>
+              <a:t>t</a:t>
+            </a:r>
+            <a:r>
+              <a:rPr b="0" lang="en-US" sz="4400" spc="-1" strike="noStrike">
+                <a:latin typeface="Arial"/>
+              </a:rPr>
+              <a:t>i</a:t>
+            </a:r>
+            <a:r>
+              <a:rPr b="0" lang="en-US" sz="4400" spc="-1" strike="noStrike">
+                <a:latin typeface="Arial"/>
+              </a:rPr>
+              <a:t>t</a:t>
+            </a:r>
+            <a:r>
+              <a:rPr b="0" lang="en-US" sz="4400" spc="-1" strike="noStrike">
+                <a:latin typeface="Arial"/>
+              </a:rPr>
+              <a:t>l</a:t>
+            </a:r>
+            <a:r>
+              <a:rPr b="0" lang="en-US" sz="4400" spc="-1" strike="noStrike">
+                <a:latin typeface="Arial"/>
+              </a:rPr>
+              <a:t>e</a:t>
+            </a:r>
+            <a:r>
+              <a:rPr b="0" lang="en-US" sz="4400" spc="-1" strike="noStrike">
+                <a:latin typeface="Arial"/>
+              </a:rPr>
+              <a:t> </a:t>
+            </a:r>
+            <a:r>
+              <a:rPr b="0" lang="en-US" sz="4400" spc="-1" strike="noStrike">
+                <a:latin typeface="Arial"/>
+              </a:rPr>
+              <a:t>t</a:t>
+            </a:r>
+            <a:r>
+              <a:rPr b="0" lang="en-US" sz="4400" spc="-1" strike="noStrike">
+                <a:latin typeface="Arial"/>
+              </a:rPr>
+              <a:t>e</a:t>
+            </a:r>
+            <a:r>
+              <a:rPr b="0" lang="en-US" sz="4400" spc="-1" strike="noStrike">
+                <a:latin typeface="Arial"/>
+              </a:rPr>
+              <a:t>x</a:t>
+            </a:r>
+            <a:r>
+              <a:rPr b="0" lang="en-US" sz="4400" spc="-1" strike="noStrike">
+                <a:latin typeface="Arial"/>
+              </a:rPr>
+              <a:t>t </a:t>
+            </a:r>
+            <a:r>
+              <a:rPr b="0" lang="en-US" sz="4400" spc="-1" strike="noStrike">
+                <a:latin typeface="Arial"/>
+              </a:rPr>
+              <a:t>f</a:t>
+            </a:r>
+            <a:r>
+              <a:rPr b="0" lang="en-US" sz="4400" spc="-1" strike="noStrike">
+                <a:latin typeface="Arial"/>
+              </a:rPr>
+              <a:t>o</a:t>
+            </a:r>
+            <a:r>
+              <a:rPr b="0" lang="en-US" sz="4400" spc="-1" strike="noStrike">
                 <a:latin typeface="Arial"/>
               </a:rPr>
               <a:t>r</a:t>
             </a:r>
             <a:r>
-              <a:rPr b="0" lang="en-US" sz="1800" spc="-1" strike="noStrike">
+              <a:rPr b="0" lang="en-US" sz="4400" spc="-1" strike="noStrike">
                 <a:latin typeface="Arial"/>
               </a:rPr>
               <a:t>m</a:t>
             </a:r>
             <a:r>
-              <a:rPr b="0" lang="en-US" sz="1800" spc="-1" strike="noStrike">
-                <a:latin typeface="Arial"/>
-              </a:rPr>
-              <a:t>at</a:t>
-            </a:r>
-            <a:endParaRPr b="0" lang="en-US" sz="1800" spc="-1" strike="noStrike">
-              <a:latin typeface="Arial"/>
-            </a:endParaRPr>
-          </a:p>
-        </p:txBody>
-      </p:sp>
-      <p:sp>
-        <p:nvSpPr>
-          <p:cNvPr id="40" name="PlaceHolder 2"/>
+              <a:rPr b="0" lang="en-US" sz="4400" spc="-1" strike="noStrike">
+                <a:latin typeface="Arial"/>
+              </a:rPr>
+              <a:t>a</a:t>
+            </a:r>
+            <a:r>
+              <a:rPr b="0" lang="en-US" sz="4400" spc="-1" strike="noStrike">
+                <a:latin typeface="Arial"/>
+              </a:rPr>
+              <a:t>t</a:t>
+            </a:r>
+            <a:endParaRPr b="0" lang="en-US" sz="4400" spc="-1" strike="noStrike">
+              <a:latin typeface="Arial"/>
+            </a:endParaRPr>
+          </a:p>
+        </p:txBody>
+      </p:sp>
+      <p:sp>
+        <p:nvSpPr>
+          <p:cNvPr id="41" name="PlaceHolder 3"/>
           <p:cNvSpPr>
             <a:spLocks noGrp="1"/>
           </p:cNvSpPr>
@@ -4077,8 +4235,8 @@
         </p:nvSpPr>
         <p:spPr>
           <a:xfrm>
-            <a:off x="311760" y="1152360"/>
-            <a:ext cx="8519760" cy="3415680"/>
+            <a:off x="457200" y="1203480"/>
+            <a:ext cx="8229240" cy="2982960"/>
           </a:xfrm>
           <a:prstGeom prst="rect">
             <a:avLst/>
@@ -4105,12 +4263,12 @@
               <a:buChar char=""/>
             </a:pPr>
             <a:r>
-              <a:rPr b="0" lang="en-US" sz="1800" spc="-1" strike="noStrike">
+              <a:rPr b="0" lang="en-US" sz="3200" spc="-1" strike="noStrike">
                 <a:latin typeface="Arial"/>
               </a:rPr>
               <a:t>Click to edit the outline text format</a:t>
             </a:r>
-            <a:endParaRPr b="0" lang="en-US" sz="1800" spc="-1" strike="noStrike">
+            <a:endParaRPr b="0" lang="en-US" sz="3200" spc="-1" strike="noStrike">
               <a:latin typeface="Arial"/>
             </a:endParaRPr>
           </a:p>
@@ -4127,12 +4285,12 @@
               <a:buChar char=""/>
             </a:pPr>
             <a:r>
-              <a:rPr b="0" lang="en-US" sz="1800" spc="-1" strike="noStrike">
+              <a:rPr b="0" lang="en-US" sz="2800" spc="-1" strike="noStrike">
                 <a:latin typeface="Arial"/>
               </a:rPr>
               <a:t>Second Outline Level</a:t>
             </a:r>
-            <a:endParaRPr b="0" lang="en-US" sz="1800" spc="-1" strike="noStrike">
+            <a:endParaRPr b="0" lang="en-US" sz="2800" spc="-1" strike="noStrike">
               <a:latin typeface="Arial"/>
             </a:endParaRPr>
           </a:p>
@@ -4149,12 +4307,12 @@
               <a:buChar char=""/>
             </a:pPr>
             <a:r>
-              <a:rPr b="0" lang="en-US" sz="1800" spc="-1" strike="noStrike">
+              <a:rPr b="0" lang="en-US" sz="2400" spc="-1" strike="noStrike">
                 <a:latin typeface="Arial"/>
               </a:rPr>
               <a:t>Third Outline Level</a:t>
             </a:r>
-            <a:endParaRPr b="0" lang="en-US" sz="1800" spc="-1" strike="noStrike">
+            <a:endParaRPr b="0" lang="en-US" sz="2400" spc="-1" strike="noStrike">
               <a:latin typeface="Arial"/>
             </a:endParaRPr>
           </a:p>
@@ -4171,12 +4329,12 @@
               <a:buChar char=""/>
             </a:pPr>
             <a:r>
-              <a:rPr b="0" lang="en-US" sz="1800" spc="-1" strike="noStrike">
+              <a:rPr b="0" lang="en-US" sz="2000" spc="-1" strike="noStrike">
                 <a:latin typeface="Arial"/>
               </a:rPr>
               <a:t>Fourth Outline Level</a:t>
             </a:r>
-            <a:endParaRPr b="0" lang="en-US" sz="1800" spc="-1" strike="noStrike">
+            <a:endParaRPr b="0" lang="en-US" sz="2000" spc="-1" strike="noStrike">
               <a:latin typeface="Arial"/>
             </a:endParaRPr>
           </a:p>
@@ -4193,12 +4351,12 @@
               <a:buChar char=""/>
             </a:pPr>
             <a:r>
-              <a:rPr b="0" lang="en-US" sz="1800" spc="-1" strike="noStrike">
+              <a:rPr b="0" lang="en-US" sz="2000" spc="-1" strike="noStrike">
                 <a:latin typeface="Arial"/>
               </a:rPr>
               <a:t>Fifth Outline Level</a:t>
             </a:r>
-            <a:endParaRPr b="0" lang="en-US" sz="1800" spc="-1" strike="noStrike">
+            <a:endParaRPr b="0" lang="en-US" sz="2000" spc="-1" strike="noStrike">
               <a:latin typeface="Arial"/>
             </a:endParaRPr>
           </a:p>
@@ -4215,12 +4373,12 @@
               <a:buChar char=""/>
             </a:pPr>
             <a:r>
-              <a:rPr b="0" lang="en-US" sz="1800" spc="-1" strike="noStrike">
+              <a:rPr b="0" lang="en-US" sz="2000" spc="-1" strike="noStrike">
                 <a:latin typeface="Arial"/>
               </a:rPr>
               <a:t>Sixth Outline Level</a:t>
             </a:r>
-            <a:endParaRPr b="0" lang="en-US" sz="1800" spc="-1" strike="noStrike">
+            <a:endParaRPr b="0" lang="en-US" sz="2000" spc="-1" strike="noStrike">
               <a:latin typeface="Arial"/>
             </a:endParaRPr>
           </a:p>
@@ -4237,84 +4395,13 @@
               <a:buChar char=""/>
             </a:pPr>
             <a:r>
-              <a:rPr b="0" lang="en-US" sz="1800" spc="-1" strike="noStrike">
+              <a:rPr b="0" lang="en-US" sz="2000" spc="-1" strike="noStrike">
                 <a:latin typeface="Arial"/>
               </a:rPr>
               <a:t>Seventh Outline Level</a:t>
             </a:r>
-            <a:endParaRPr b="0" lang="en-US" sz="1800" spc="-1" strike="noStrike">
-              <a:latin typeface="Arial"/>
-            </a:endParaRPr>
-          </a:p>
-        </p:txBody>
-      </p:sp>
-      <p:sp>
-        <p:nvSpPr>
-          <p:cNvPr id="41" name="PlaceHolder 3"/>
-          <p:cNvSpPr>
-            <a:spLocks noGrp="1"/>
-          </p:cNvSpPr>
-          <p:nvPr>
-            <p:ph type="sldNum" idx="2"/>
-          </p:nvPr>
-        </p:nvSpPr>
-        <p:spPr>
-          <a:xfrm>
-            <a:off x="8472600" y="4663080"/>
-            <a:ext cx="547920" cy="392760"/>
-          </a:xfrm>
-          <a:prstGeom prst="rect">
-            <a:avLst/>
-          </a:prstGeom>
-          <a:noFill/>
-          <a:ln w="0">
-            <a:noFill/>
-          </a:ln>
-        </p:spPr>
-        <p:txBody>
-          <a:bodyPr lIns="90000" rIns="90000" tIns="91440" bIns="91440" anchor="ctr">
-            <a:noAutofit/>
-          </a:bodyPr>
-          <a:lstStyle>
-            <a:lvl1pPr algn="r">
-              <a:lnSpc>
-                <a:spcPct val="100000"/>
-              </a:lnSpc>
-              <a:buNone/>
-              <a:tabLst>
-                <a:tab algn="l" pos="0"/>
-              </a:tabLst>
-              <a:defRPr b="0" lang="en-US" sz="1000" spc="-1" strike="noStrike">
-                <a:solidFill>
-                  <a:srgbClr val="595959"/>
-                </a:solidFill>
-                <a:latin typeface="Arial"/>
-                <a:ea typeface="Arial"/>
-              </a:defRPr>
-            </a:lvl1pPr>
-          </a:lstStyle>
-          <a:p>
-            <a:pPr algn="r">
-              <a:lnSpc>
-                <a:spcPct val="100000"/>
-              </a:lnSpc>
-              <a:buNone/>
-              <a:tabLst>
-                <a:tab algn="l" pos="0"/>
-              </a:tabLst>
-            </a:pPr>
-            <a:fld id="{BA81848E-C750-48A0-8FB1-080B882D77D6}" type="slidenum">
-              <a:rPr b="0" lang="en-US" sz="1000" spc="-1" strike="noStrike">
-                <a:solidFill>
-                  <a:srgbClr val="595959"/>
-                </a:solidFill>
-                <a:latin typeface="Arial"/>
-                <a:ea typeface="Arial"/>
-              </a:rPr>
-              <a:t>&lt;number&gt;</a:t>
-            </a:fld>
-            <a:endParaRPr b="0" lang="en-US" sz="1000" spc="-1" strike="noStrike">
-              <a:latin typeface="Times New Roman"/>
+            <a:endParaRPr b="0" lang="en-US" sz="2000" spc="-1" strike="noStrike">
+              <a:latin typeface="Arial"/>
             </a:endParaRPr>
           </a:p>
         </p:txBody>
@@ -4369,7 +4456,7 @@
         <p:spPr>
           <a:xfrm>
             <a:off x="311760" y="744480"/>
-            <a:ext cx="8519760" cy="2052000"/>
+            <a:ext cx="8519400" cy="2051640"/>
           </a:xfrm>
           <a:prstGeom prst="rect">
             <a:avLst/>
@@ -4401,537 +4488,7 @@
                 <a:latin typeface="Arial"/>
                 <a:ea typeface="Arial"/>
               </a:rPr>
-              <a:t>U</a:t>
-            </a:r>
-            <a:r>
-              <a:rPr b="0" lang="en-US" sz="2400" spc="-1" strike="noStrike">
-                <a:solidFill>
-                  <a:srgbClr val="000000"/>
-                </a:solidFill>
-                <a:latin typeface="Arial"/>
-                <a:ea typeface="Arial"/>
-              </a:rPr>
-              <a:t>-</a:t>
-            </a:r>
-            <a:r>
-              <a:rPr b="0" lang="en-US" sz="2400" spc="-1" strike="noStrike">
-                <a:solidFill>
-                  <a:srgbClr val="000000"/>
-                </a:solidFill>
-                <a:latin typeface="Arial"/>
-                <a:ea typeface="Arial"/>
-              </a:rPr>
-              <a:t>N</a:t>
-            </a:r>
-            <a:r>
-              <a:rPr b="0" lang="en-US" sz="2400" spc="-1" strike="noStrike">
-                <a:solidFill>
-                  <a:srgbClr val="000000"/>
-                </a:solidFill>
-                <a:latin typeface="Arial"/>
-                <a:ea typeface="Arial"/>
-              </a:rPr>
-              <a:t>e</a:t>
-            </a:r>
-            <a:r>
-              <a:rPr b="0" lang="en-US" sz="2400" spc="-1" strike="noStrike">
-                <a:solidFill>
-                  <a:srgbClr val="000000"/>
-                </a:solidFill>
-                <a:latin typeface="Arial"/>
-                <a:ea typeface="Arial"/>
-              </a:rPr>
-              <a:t>t: </a:t>
-            </a:r>
-            <a:r>
-              <a:rPr b="0" lang="en-US" sz="2400" spc="-1" strike="noStrike">
-                <a:solidFill>
-                  <a:srgbClr val="000000"/>
-                </a:solidFill>
-                <a:latin typeface="Arial"/>
-                <a:ea typeface="Arial"/>
-              </a:rPr>
-              <a:t>B</a:t>
-            </a:r>
-            <a:r>
-              <a:rPr b="0" lang="en-US" sz="2400" spc="-1" strike="noStrike">
-                <a:solidFill>
-                  <a:srgbClr val="000000"/>
-                </a:solidFill>
-                <a:latin typeface="Arial"/>
-                <a:ea typeface="Arial"/>
-              </a:rPr>
-              <a:t>i</a:t>
-            </a:r>
-            <a:r>
-              <a:rPr b="0" lang="en-US" sz="2400" spc="-1" strike="noStrike">
-                <a:solidFill>
-                  <a:srgbClr val="000000"/>
-                </a:solidFill>
-                <a:latin typeface="Arial"/>
-                <a:ea typeface="Arial"/>
-              </a:rPr>
-              <a:t>y</a:t>
-            </a:r>
-            <a:r>
-              <a:rPr b="0" lang="en-US" sz="2400" spc="-1" strike="noStrike">
-                <a:solidFill>
-                  <a:srgbClr val="000000"/>
-                </a:solidFill>
-                <a:latin typeface="Arial"/>
-                <a:ea typeface="Arial"/>
-              </a:rPr>
-              <a:t>o</a:t>
-            </a:r>
-            <a:r>
-              <a:rPr b="0" lang="en-US" sz="2400" spc="-1" strike="noStrike">
-                <a:solidFill>
-                  <a:srgbClr val="000000"/>
-                </a:solidFill>
-                <a:latin typeface="Arial"/>
-                <a:ea typeface="Arial"/>
-              </a:rPr>
-              <a:t>m</a:t>
-            </a:r>
-            <a:r>
-              <a:rPr b="0" lang="en-US" sz="2400" spc="-1" strike="noStrike">
-                <a:solidFill>
-                  <a:srgbClr val="000000"/>
-                </a:solidFill>
-                <a:latin typeface="Arial"/>
-                <a:ea typeface="Arial"/>
-              </a:rPr>
-              <a:t>e</a:t>
-            </a:r>
-            <a:r>
-              <a:rPr b="0" lang="en-US" sz="2400" spc="-1" strike="noStrike">
-                <a:solidFill>
-                  <a:srgbClr val="000000"/>
-                </a:solidFill>
-                <a:latin typeface="Arial"/>
-                <a:ea typeface="Arial"/>
-              </a:rPr>
-              <a:t>d</a:t>
-            </a:r>
-            <a:r>
-              <a:rPr b="0" lang="en-US" sz="2400" spc="-1" strike="noStrike">
-                <a:solidFill>
-                  <a:srgbClr val="000000"/>
-                </a:solidFill>
-                <a:latin typeface="Arial"/>
-                <a:ea typeface="Arial"/>
-              </a:rPr>
-              <a:t>i</a:t>
-            </a:r>
-            <a:r>
-              <a:rPr b="0" lang="en-US" sz="2400" spc="-1" strike="noStrike">
-                <a:solidFill>
-                  <a:srgbClr val="000000"/>
-                </a:solidFill>
-                <a:latin typeface="Arial"/>
-                <a:ea typeface="Arial"/>
-              </a:rPr>
-              <a:t>k</a:t>
-            </a:r>
-            <a:r>
-              <a:rPr b="0" lang="en-US" sz="2400" spc="-1" strike="noStrike">
-                <a:solidFill>
-                  <a:srgbClr val="000000"/>
-                </a:solidFill>
-                <a:latin typeface="Arial"/>
-                <a:ea typeface="Arial"/>
-              </a:rPr>
-              <a:t>a</a:t>
-            </a:r>
-            <a:r>
-              <a:rPr b="0" lang="en-US" sz="2400" spc="-1" strike="noStrike">
-                <a:solidFill>
-                  <a:srgbClr val="000000"/>
-                </a:solidFill>
-                <a:latin typeface="Arial"/>
-                <a:ea typeface="Arial"/>
-              </a:rPr>
-              <a:t>l </a:t>
-            </a:r>
-            <a:r>
-              <a:rPr b="0" lang="en-US" sz="2400" spc="-1" strike="noStrike">
-                <a:solidFill>
-                  <a:srgbClr val="000000"/>
-                </a:solidFill>
-                <a:latin typeface="Arial"/>
-                <a:ea typeface="Arial"/>
-              </a:rPr>
-              <a:t>G</a:t>
-            </a:r>
-            <a:r>
-              <a:rPr b="0" lang="en-US" sz="2400" spc="-1" strike="noStrike">
-                <a:solidFill>
-                  <a:srgbClr val="000000"/>
-                </a:solidFill>
-                <a:latin typeface="Arial"/>
-                <a:ea typeface="Arial"/>
-              </a:rPr>
-              <a:t>ö</a:t>
-            </a:r>
-            <a:r>
-              <a:rPr b="0" lang="en-US" sz="2400" spc="-1" strike="noStrike">
-                <a:solidFill>
-                  <a:srgbClr val="000000"/>
-                </a:solidFill>
-                <a:latin typeface="Arial"/>
-                <a:ea typeface="Arial"/>
-              </a:rPr>
-              <a:t>r</a:t>
-            </a:r>
-            <a:r>
-              <a:rPr b="0" lang="en-US" sz="2400" spc="-1" strike="noStrike">
-                <a:solidFill>
-                  <a:srgbClr val="000000"/>
-                </a:solidFill>
-                <a:latin typeface="Arial"/>
-                <a:ea typeface="Arial"/>
-              </a:rPr>
-              <a:t>ü</a:t>
-            </a:r>
-            <a:r>
-              <a:rPr b="0" lang="en-US" sz="2400" spc="-1" strike="noStrike">
-                <a:solidFill>
-                  <a:srgbClr val="000000"/>
-                </a:solidFill>
-                <a:latin typeface="Arial"/>
-                <a:ea typeface="Arial"/>
-              </a:rPr>
-              <a:t>n</a:t>
-            </a:r>
-            <a:r>
-              <a:rPr b="0" lang="en-US" sz="2400" spc="-1" strike="noStrike">
-                <a:solidFill>
-                  <a:srgbClr val="000000"/>
-                </a:solidFill>
-                <a:latin typeface="Arial"/>
-                <a:ea typeface="Arial"/>
-              </a:rPr>
-              <a:t>t</a:t>
-            </a:r>
-            <a:r>
-              <a:rPr b="0" lang="en-US" sz="2400" spc="-1" strike="noStrike">
-                <a:solidFill>
-                  <a:srgbClr val="000000"/>
-                </a:solidFill>
-                <a:latin typeface="Arial"/>
-                <a:ea typeface="Arial"/>
-              </a:rPr>
-              <a:t>ü </a:t>
-            </a:r>
-            <a:r>
-              <a:rPr b="0" lang="en-US" sz="2400" spc="-1" strike="noStrike">
-                <a:solidFill>
-                  <a:srgbClr val="000000"/>
-                </a:solidFill>
-                <a:latin typeface="Arial"/>
-                <a:ea typeface="Arial"/>
-              </a:rPr>
-              <a:t>S</a:t>
-            </a:r>
-            <a:r>
-              <a:rPr b="0" lang="en-US" sz="2400" spc="-1" strike="noStrike">
-                <a:solidFill>
-                  <a:srgbClr val="000000"/>
-                </a:solidFill>
-                <a:latin typeface="Arial"/>
-                <a:ea typeface="Arial"/>
-              </a:rPr>
-              <a:t>e</a:t>
-            </a:r>
-            <a:r>
-              <a:rPr b="0" lang="en-US" sz="2400" spc="-1" strike="noStrike">
-                <a:solidFill>
-                  <a:srgbClr val="000000"/>
-                </a:solidFill>
-                <a:latin typeface="Arial"/>
-                <a:ea typeface="Arial"/>
-              </a:rPr>
-              <a:t>g</a:t>
-            </a:r>
-            <a:r>
-              <a:rPr b="0" lang="en-US" sz="2400" spc="-1" strike="noStrike">
-                <a:solidFill>
-                  <a:srgbClr val="000000"/>
-                </a:solidFill>
-                <a:latin typeface="Arial"/>
-                <a:ea typeface="Arial"/>
-              </a:rPr>
-              <a:t>m</a:t>
-            </a:r>
-            <a:r>
-              <a:rPr b="0" lang="en-US" sz="2400" spc="-1" strike="noStrike">
-                <a:solidFill>
-                  <a:srgbClr val="000000"/>
-                </a:solidFill>
-                <a:latin typeface="Arial"/>
-                <a:ea typeface="Arial"/>
-              </a:rPr>
-              <a:t>e</a:t>
-            </a:r>
-            <a:r>
-              <a:rPr b="0" lang="en-US" sz="2400" spc="-1" strike="noStrike">
-                <a:solidFill>
-                  <a:srgbClr val="000000"/>
-                </a:solidFill>
-                <a:latin typeface="Arial"/>
-                <a:ea typeface="Arial"/>
-              </a:rPr>
-              <a:t>n</a:t>
-            </a:r>
-            <a:r>
-              <a:rPr b="0" lang="en-US" sz="2400" spc="-1" strike="noStrike">
-                <a:solidFill>
-                  <a:srgbClr val="000000"/>
-                </a:solidFill>
-                <a:latin typeface="Arial"/>
-                <a:ea typeface="Arial"/>
-              </a:rPr>
-              <a:t>t</a:t>
-            </a:r>
-            <a:r>
-              <a:rPr b="0" lang="en-US" sz="2400" spc="-1" strike="noStrike">
-                <a:solidFill>
-                  <a:srgbClr val="000000"/>
-                </a:solidFill>
-                <a:latin typeface="Arial"/>
-                <a:ea typeface="Arial"/>
-              </a:rPr>
-              <a:t>a</a:t>
-            </a:r>
-            <a:r>
-              <a:rPr b="0" lang="en-US" sz="2400" spc="-1" strike="noStrike">
-                <a:solidFill>
-                  <a:srgbClr val="000000"/>
-                </a:solidFill>
-                <a:latin typeface="Arial"/>
-                <a:ea typeface="Arial"/>
-              </a:rPr>
-              <a:t>s</a:t>
-            </a:r>
-            <a:r>
-              <a:rPr b="0" lang="en-US" sz="2400" spc="-1" strike="noStrike">
-                <a:solidFill>
-                  <a:srgbClr val="000000"/>
-                </a:solidFill>
-                <a:latin typeface="Arial"/>
-                <a:ea typeface="Arial"/>
-              </a:rPr>
-              <a:t>y</a:t>
-            </a:r>
-            <a:r>
-              <a:rPr b="0" lang="en-US" sz="2400" spc="-1" strike="noStrike">
-                <a:solidFill>
-                  <a:srgbClr val="000000"/>
-                </a:solidFill>
-                <a:latin typeface="Arial"/>
-                <a:ea typeface="Arial"/>
-              </a:rPr>
-              <a:t>o</a:t>
-            </a:r>
-            <a:r>
-              <a:rPr b="0" lang="en-US" sz="2400" spc="-1" strike="noStrike">
-                <a:solidFill>
-                  <a:srgbClr val="000000"/>
-                </a:solidFill>
-                <a:latin typeface="Arial"/>
-                <a:ea typeface="Arial"/>
-              </a:rPr>
-              <a:t>n</a:t>
-            </a:r>
-            <a:r>
-              <a:rPr b="0" lang="en-US" sz="2400" spc="-1" strike="noStrike">
-                <a:solidFill>
-                  <a:srgbClr val="000000"/>
-                </a:solidFill>
-                <a:latin typeface="Arial"/>
-                <a:ea typeface="Arial"/>
-              </a:rPr>
-              <a:t>u </a:t>
-            </a:r>
-            <a:r>
-              <a:rPr b="0" lang="en-US" sz="2400" spc="-1" strike="noStrike">
-                <a:solidFill>
-                  <a:srgbClr val="000000"/>
-                </a:solidFill>
-                <a:latin typeface="Arial"/>
-                <a:ea typeface="Arial"/>
-              </a:rPr>
-              <a:t>i</a:t>
-            </a:r>
-            <a:r>
-              <a:rPr b="0" lang="en-US" sz="2400" spc="-1" strike="noStrike">
-                <a:solidFill>
-                  <a:srgbClr val="000000"/>
-                </a:solidFill>
-                <a:latin typeface="Arial"/>
-                <a:ea typeface="Arial"/>
-              </a:rPr>
-              <a:t>ç</a:t>
-            </a:r>
-            <a:r>
-              <a:rPr b="0" lang="en-US" sz="2400" spc="-1" strike="noStrike">
-                <a:solidFill>
-                  <a:srgbClr val="000000"/>
-                </a:solidFill>
-                <a:latin typeface="Arial"/>
-                <a:ea typeface="Arial"/>
-              </a:rPr>
-              <a:t>i</a:t>
-            </a:r>
-            <a:r>
-              <a:rPr b="0" lang="en-US" sz="2400" spc="-1" strike="noStrike">
-                <a:solidFill>
-                  <a:srgbClr val="000000"/>
-                </a:solidFill>
-                <a:latin typeface="Arial"/>
-                <a:ea typeface="Arial"/>
-              </a:rPr>
-              <a:t>n </a:t>
-            </a:r>
-            <a:r>
-              <a:rPr b="0" lang="en-US" sz="2400" spc="-1" strike="noStrike">
-                <a:solidFill>
-                  <a:srgbClr val="000000"/>
-                </a:solidFill>
-                <a:latin typeface="Arial"/>
-                <a:ea typeface="Arial"/>
-              </a:rPr>
-              <a:t>E</a:t>
-            </a:r>
-            <a:r>
-              <a:rPr b="0" lang="en-US" sz="2400" spc="-1" strike="noStrike">
-                <a:solidFill>
-                  <a:srgbClr val="000000"/>
-                </a:solidFill>
-                <a:latin typeface="Arial"/>
-                <a:ea typeface="Arial"/>
-              </a:rPr>
-              <a:t>v</a:t>
-            </a:r>
-            <a:r>
-              <a:rPr b="0" lang="en-US" sz="2400" spc="-1" strike="noStrike">
-                <a:solidFill>
-                  <a:srgbClr val="000000"/>
-                </a:solidFill>
-                <a:latin typeface="Arial"/>
-                <a:ea typeface="Arial"/>
-              </a:rPr>
-              <a:t>ri</a:t>
-            </a:r>
-            <a:r>
-              <a:rPr b="0" lang="en-US" sz="2400" spc="-1" strike="noStrike">
-                <a:solidFill>
-                  <a:srgbClr val="000000"/>
-                </a:solidFill>
-                <a:latin typeface="Arial"/>
-                <a:ea typeface="Arial"/>
-              </a:rPr>
-              <a:t>ş</a:t>
-            </a:r>
-            <a:r>
-              <a:rPr b="0" lang="en-US" sz="2400" spc="-1" strike="noStrike">
-                <a:solidFill>
-                  <a:srgbClr val="000000"/>
-                </a:solidFill>
-                <a:latin typeface="Arial"/>
-                <a:ea typeface="Arial"/>
-              </a:rPr>
-              <a:t>i</a:t>
-            </a:r>
-            <a:r>
-              <a:rPr b="0" lang="en-US" sz="2400" spc="-1" strike="noStrike">
-                <a:solidFill>
-                  <a:srgbClr val="000000"/>
-                </a:solidFill>
-                <a:latin typeface="Arial"/>
-                <a:ea typeface="Arial"/>
-              </a:rPr>
-              <a:t>m</a:t>
-            </a:r>
-            <a:r>
-              <a:rPr b="0" lang="en-US" sz="2400" spc="-1" strike="noStrike">
-                <a:solidFill>
-                  <a:srgbClr val="000000"/>
-                </a:solidFill>
-                <a:latin typeface="Arial"/>
-                <a:ea typeface="Arial"/>
-              </a:rPr>
-              <a:t>s</a:t>
-            </a:r>
-            <a:r>
-              <a:rPr b="0" lang="en-US" sz="2400" spc="-1" strike="noStrike">
-                <a:solidFill>
-                  <a:srgbClr val="000000"/>
-                </a:solidFill>
-                <a:latin typeface="Arial"/>
-                <a:ea typeface="Arial"/>
-              </a:rPr>
-              <a:t>e</a:t>
-            </a:r>
-            <a:r>
-              <a:rPr b="0" lang="en-US" sz="2400" spc="-1" strike="noStrike">
-                <a:solidFill>
-                  <a:srgbClr val="000000"/>
-                </a:solidFill>
-                <a:latin typeface="Arial"/>
-                <a:ea typeface="Arial"/>
-              </a:rPr>
-              <a:t>l </a:t>
-            </a:r>
-            <a:r>
-              <a:rPr b="0" lang="en-US" sz="2400" spc="-1" strike="noStrike">
-                <a:solidFill>
-                  <a:srgbClr val="000000"/>
-                </a:solidFill>
-                <a:latin typeface="Arial"/>
-                <a:ea typeface="Arial"/>
-              </a:rPr>
-              <a:t>A</a:t>
-            </a:r>
-            <a:r>
-              <a:rPr b="0" lang="en-US" sz="2400" spc="-1" strike="noStrike">
-                <a:solidFill>
-                  <a:srgbClr val="000000"/>
-                </a:solidFill>
-                <a:latin typeface="Arial"/>
-                <a:ea typeface="Arial"/>
-              </a:rPr>
-              <a:t>ğ</a:t>
-            </a:r>
-            <a:r>
-              <a:rPr b="0" lang="en-US" sz="2400" spc="-1" strike="noStrike">
-                <a:solidFill>
-                  <a:srgbClr val="000000"/>
-                </a:solidFill>
-                <a:latin typeface="Arial"/>
-                <a:ea typeface="Arial"/>
-              </a:rPr>
-              <a:t>l</a:t>
-            </a:r>
-            <a:r>
-              <a:rPr b="0" lang="en-US" sz="2400" spc="-1" strike="noStrike">
-                <a:solidFill>
-                  <a:srgbClr val="000000"/>
-                </a:solidFill>
-                <a:latin typeface="Arial"/>
-                <a:ea typeface="Arial"/>
-              </a:rPr>
-              <a:t>a</a:t>
-            </a:r>
-            <a:r>
-              <a:rPr b="0" lang="en-US" sz="2400" spc="-1" strike="noStrike">
-                <a:solidFill>
-                  <a:srgbClr val="000000"/>
-                </a:solidFill>
-                <a:latin typeface="Arial"/>
-                <a:ea typeface="Arial"/>
-              </a:rPr>
-              <a:t>r</a:t>
+              <a:t>U-Net: Biyomedikal Görüntü Segmentasyonu için Evrişimsel Ağlar</a:t>
             </a:r>
             <a:endParaRPr b="0" lang="en-US" sz="2400" spc="-1" strike="noStrike">
               <a:latin typeface="Arial"/>
@@ -4952,7 +4509,7 @@
         <p:spPr>
           <a:xfrm>
             <a:off x="228600" y="2834280"/>
-            <a:ext cx="8519760" cy="792000"/>
+            <a:ext cx="8519400" cy="791640"/>
           </a:xfrm>
           <a:prstGeom prst="rect">
             <a:avLst/>
@@ -4984,77 +4541,7 @@
                 <a:latin typeface="Arial"/>
                 <a:ea typeface="Arial"/>
               </a:rPr>
-              <a:t>0</a:t>
-            </a:r>
-            <a:r>
-              <a:rPr b="0" lang="en-US" sz="1600" spc="-1" strike="noStrike">
-                <a:solidFill>
-                  <a:srgbClr val="595959"/>
-                </a:solidFill>
-                <a:latin typeface="Arial"/>
-                <a:ea typeface="Arial"/>
-              </a:rPr>
-              <a:t>3/</a:t>
-            </a:r>
-            <a:r>
-              <a:rPr b="0" lang="en-US" sz="1600" spc="-1" strike="noStrike">
-                <a:solidFill>
-                  <a:srgbClr val="595959"/>
-                </a:solidFill>
-                <a:latin typeface="Arial"/>
-                <a:ea typeface="Arial"/>
-              </a:rPr>
-              <a:t>0</a:t>
-            </a:r>
-            <a:r>
-              <a:rPr b="0" lang="en-US" sz="1600" spc="-1" strike="noStrike">
-                <a:solidFill>
-                  <a:srgbClr val="595959"/>
-                </a:solidFill>
-                <a:latin typeface="Arial"/>
-                <a:ea typeface="Arial"/>
-              </a:rPr>
-              <a:t>6/</a:t>
-            </a:r>
-            <a:r>
-              <a:rPr b="0" lang="en-US" sz="1600" spc="-1" strike="noStrike">
-                <a:solidFill>
-                  <a:srgbClr val="595959"/>
-                </a:solidFill>
-                <a:latin typeface="Arial"/>
-                <a:ea typeface="Arial"/>
-              </a:rPr>
-              <a:t>2</a:t>
-            </a:r>
-            <a:r>
-              <a:rPr b="0" lang="en-US" sz="1600" spc="-1" strike="noStrike">
-                <a:solidFill>
-                  <a:srgbClr val="595959"/>
-                </a:solidFill>
-                <a:latin typeface="Arial"/>
-                <a:ea typeface="Arial"/>
-              </a:rPr>
-              <a:t>0</a:t>
-            </a:r>
-            <a:r>
-              <a:rPr b="0" lang="en-US" sz="1600" spc="-1" strike="noStrike">
-                <a:solidFill>
-                  <a:srgbClr val="595959"/>
-                </a:solidFill>
-                <a:latin typeface="Arial"/>
-                <a:ea typeface="Arial"/>
-              </a:rPr>
-              <a:t>2</a:t>
-            </a:r>
-            <a:r>
-              <a:rPr b="0" lang="en-US" sz="1600" spc="-1" strike="noStrike">
-                <a:solidFill>
-                  <a:srgbClr val="595959"/>
-                </a:solidFill>
-                <a:latin typeface="Arial"/>
-                <a:ea typeface="Arial"/>
-              </a:rPr>
-              <a:t>4 </a:t>
+              <a:t>03/06/2024 </a:t>
             </a:r>
             <a:endParaRPr b="0" lang="en-US" sz="1600" spc="-1" strike="noStrike">
               <a:latin typeface="Arial"/>
@@ -5078,7 +4565,7 @@
                 <a:latin typeface="Arial"/>
                 <a:ea typeface="Arial"/>
               </a:rPr>
-              <a:t>E</a:t>
+              <a:t>Emirhan </a:t>
             </a:r>
             <a:r>
               <a:rPr b="0" lang="en-US" sz="1600" spc="-1" strike="noStrike">
@@ -5088,107 +4575,7 @@
                 <a:latin typeface="Arial"/>
                 <a:ea typeface="Arial"/>
               </a:rPr>
-              <a:t>mi</a:t>
-            </a:r>
-            <a:r>
-              <a:rPr b="0" lang="en-US" sz="1600" spc="-1" strike="noStrike">
-                <a:solidFill>
-                  <a:srgbClr val="595959"/>
-                </a:solidFill>
-                <a:latin typeface="Arial"/>
-                <a:ea typeface="Arial"/>
-              </a:rPr>
-              <a:t>rh</a:t>
-            </a:r>
-            <a:r>
-              <a:rPr b="0" lang="en-US" sz="1600" spc="-1" strike="noStrike">
-                <a:solidFill>
-                  <a:srgbClr val="595959"/>
-                </a:solidFill>
-                <a:latin typeface="Arial"/>
-                <a:ea typeface="Arial"/>
-              </a:rPr>
-              <a:t>a</a:t>
-            </a:r>
-            <a:r>
-              <a:rPr b="0" lang="en-US" sz="1600" spc="-1" strike="noStrike">
-                <a:solidFill>
-                  <a:srgbClr val="595959"/>
-                </a:solidFill>
-                <a:latin typeface="Arial"/>
-                <a:ea typeface="Arial"/>
-              </a:rPr>
-              <a:t>n </a:t>
-            </a:r>
-            <a:r>
-              <a:rPr b="0" lang="en-US" sz="1600" spc="-1" strike="noStrike">
-                <a:solidFill>
-                  <a:srgbClr val="595959"/>
-                </a:solidFill>
-                <a:latin typeface="Arial"/>
-                <a:ea typeface="Arial"/>
-              </a:rPr>
-              <a:t>A</a:t>
-            </a:r>
-            <a:r>
-              <a:rPr b="0" lang="en-US" sz="1600" spc="-1" strike="noStrike">
-                <a:solidFill>
-                  <a:srgbClr val="595959"/>
-                </a:solidFill>
-                <a:latin typeface="Arial"/>
-                <a:ea typeface="Arial"/>
-              </a:rPr>
-              <a:t>y</a:t>
-            </a:r>
-            <a:r>
-              <a:rPr b="0" lang="en-US" sz="1600" spc="-1" strike="noStrike">
-                <a:solidFill>
-                  <a:srgbClr val="595959"/>
-                </a:solidFill>
-                <a:latin typeface="Arial"/>
-                <a:ea typeface="Arial"/>
-              </a:rPr>
-              <a:t>dı</a:t>
-            </a:r>
-            <a:r>
-              <a:rPr b="0" lang="en-US" sz="1600" spc="-1" strike="noStrike">
-                <a:solidFill>
-                  <a:srgbClr val="595959"/>
-                </a:solidFill>
-                <a:latin typeface="Arial"/>
-                <a:ea typeface="Arial"/>
-              </a:rPr>
-              <a:t>n </a:t>
-            </a:r>
-            <a:r>
-              <a:rPr b="0" lang="en-US" sz="1600" spc="-1" strike="noStrike">
-                <a:solidFill>
-                  <a:srgbClr val="595959"/>
-                </a:solidFill>
-                <a:latin typeface="Arial"/>
-                <a:ea typeface="Arial"/>
-              </a:rPr>
-              <a:t>Ç</a:t>
-            </a:r>
-            <a:r>
-              <a:rPr b="0" lang="en-US" sz="1600" spc="-1" strike="noStrike">
-                <a:solidFill>
-                  <a:srgbClr val="595959"/>
-                </a:solidFill>
-                <a:latin typeface="Arial"/>
-                <a:ea typeface="Arial"/>
-              </a:rPr>
-              <a:t>a</a:t>
-            </a:r>
-            <a:r>
-              <a:rPr b="0" lang="en-US" sz="1600" spc="-1" strike="noStrike">
-                <a:solidFill>
-                  <a:srgbClr val="595959"/>
-                </a:solidFill>
-                <a:latin typeface="Arial"/>
-                <a:ea typeface="Arial"/>
-              </a:rPr>
-              <a:t>kıl</a:t>
+              <a:t>Aydın Çakıl</a:t>
             </a:r>
             <a:endParaRPr b="0" lang="en-US" sz="1600" spc="-1" strike="noStrike">
               <a:latin typeface="Arial"/>
@@ -5212,57 +4599,7 @@
                 <a:latin typeface="Arial"/>
                 <a:ea typeface="Arial"/>
               </a:rPr>
-              <a:t>E</a:t>
-            </a:r>
-            <a:r>
-              <a:rPr b="0" lang="en-US" sz="1600" spc="-1" strike="noStrike">
-                <a:solidFill>
-                  <a:srgbClr val="595959"/>
-                </a:solidFill>
-                <a:latin typeface="Arial"/>
-                <a:ea typeface="Arial"/>
-              </a:rPr>
-              <a:t>m</a:t>
-            </a:r>
-            <a:r>
-              <a:rPr b="0" lang="en-US" sz="1600" spc="-1" strike="noStrike">
-                <a:solidFill>
-                  <a:srgbClr val="595959"/>
-                </a:solidFill>
-                <a:latin typeface="Arial"/>
-                <a:ea typeface="Arial"/>
-              </a:rPr>
-              <a:t>re </a:t>
-            </a:r>
-            <a:r>
-              <a:rPr b="0" lang="en-US" sz="1600" spc="-1" strike="noStrike">
-                <a:solidFill>
-                  <a:srgbClr val="595959"/>
-                </a:solidFill>
-                <a:latin typeface="Arial"/>
-                <a:ea typeface="Arial"/>
-              </a:rPr>
-              <a:t>S</a:t>
-            </a:r>
-            <a:r>
-              <a:rPr b="0" lang="en-US" sz="1600" spc="-1" strike="noStrike">
-                <a:solidFill>
-                  <a:srgbClr val="595959"/>
-                </a:solidFill>
-                <a:latin typeface="Arial"/>
-                <a:ea typeface="Arial"/>
-              </a:rPr>
-              <a:t>ar</a:t>
-            </a:r>
-            <a:r>
-              <a:rPr b="0" lang="en-US" sz="1600" spc="-1" strike="noStrike">
-                <a:solidFill>
-                  <a:srgbClr val="595959"/>
-                </a:solidFill>
-                <a:latin typeface="Arial"/>
-                <a:ea typeface="Arial"/>
-              </a:rPr>
-              <a:t>ı</a:t>
+              <a:t>Emre Sarı</a:t>
             </a:r>
             <a:endParaRPr b="0" lang="en-US" sz="1600" spc="-1" strike="noStrike">
               <a:latin typeface="Arial"/>
@@ -5302,7 +4639,7 @@
       </p:grpSpPr>
       <p:sp>
         <p:nvSpPr>
-          <p:cNvPr id="124" name="PlaceHolder 1"/>
+          <p:cNvPr id="125" name="PlaceHolder 1"/>
           <p:cNvSpPr>
             <a:spLocks noGrp="1"/>
           </p:cNvSpPr>
@@ -5313,7 +4650,7 @@
         <p:spPr>
           <a:xfrm>
             <a:off x="311760" y="217800"/>
-            <a:ext cx="8519760" cy="572040"/>
+            <a:ext cx="8519400" cy="571680"/>
           </a:xfrm>
           <a:prstGeom prst="rect">
             <a:avLst/>
@@ -5355,7 +4692,7 @@
       </p:sp>
       <p:sp>
         <p:nvSpPr>
-          <p:cNvPr id="125" name="PlaceHolder 2"/>
+          <p:cNvPr id="126" name="PlaceHolder 2"/>
           <p:cNvSpPr>
             <a:spLocks noGrp="1"/>
           </p:cNvSpPr>
@@ -5366,7 +4703,7 @@
         <p:spPr>
           <a:xfrm>
             <a:off x="228600" y="914400"/>
-            <a:ext cx="8519760" cy="3725640"/>
+            <a:ext cx="8519400" cy="3725280"/>
           </a:xfrm>
           <a:prstGeom prst="rect">
             <a:avLst/>
@@ -5500,7 +4837,7 @@
                 <a:latin typeface="Arial"/>
                 <a:ea typeface="Arial"/>
               </a:rPr>
-              <a:t>, n = # sınıflar</a:t>
+              <a:t>, n =  sınıflar</a:t>
             </a:r>
             <a:endParaRPr b="0" lang="en-US" sz="1300" spc="-1" strike="noStrike">
               <a:latin typeface="Arial"/>
@@ -5543,7 +4880,7 @@
       </p:sp>
       <p:pic>
         <p:nvPicPr>
-          <p:cNvPr id="126" name="Google Shape;144;p22" descr=""/>
+          <p:cNvPr id="127" name="Google Shape;144;p22" descr=""/>
           <p:cNvPicPr/>
           <p:nvPr/>
         </p:nvPicPr>
@@ -5555,7 +4892,7 @@
         <p:spPr>
           <a:xfrm>
             <a:off x="4689360" y="2066040"/>
-            <a:ext cx="4294440" cy="2940120"/>
+            <a:ext cx="4294080" cy="2939760"/>
           </a:xfrm>
           <a:prstGeom prst="rect">
             <a:avLst/>
@@ -5567,14 +4904,14 @@
       </p:pic>
       <p:sp>
         <p:nvSpPr>
-          <p:cNvPr id="127" name="Google Shape;145;p22"/>
+          <p:cNvPr id="128" name="Google Shape;145;p22"/>
           <p:cNvSpPr/>
           <p:nvPr/>
         </p:nvSpPr>
         <p:spPr>
           <a:xfrm>
             <a:off x="7737120" y="2211120"/>
-            <a:ext cx="1246680" cy="988560"/>
+            <a:ext cx="1246320" cy="988200"/>
           </a:xfrm>
           <a:prstGeom prst="rect">
             <a:avLst/>
@@ -5596,14 +4933,14 @@
       </p:sp>
       <p:sp>
         <p:nvSpPr>
-          <p:cNvPr id="128" name="Google Shape;146;p22"/>
+          <p:cNvPr id="129" name="Google Shape;146;p22"/>
           <p:cNvSpPr/>
           <p:nvPr/>
         </p:nvSpPr>
         <p:spPr>
           <a:xfrm>
             <a:off x="4894200" y="2981880"/>
-            <a:ext cx="358560" cy="372960"/>
+            <a:ext cx="358200" cy="372600"/>
           </a:xfrm>
           <a:prstGeom prst="rect">
             <a:avLst/>
@@ -5655,7 +4992,7 @@
       </p:grpSpPr>
       <p:sp>
         <p:nvSpPr>
-          <p:cNvPr id="129" name="PlaceHolder 1"/>
+          <p:cNvPr id="130" name="PlaceHolder 1"/>
           <p:cNvSpPr>
             <a:spLocks noGrp="1"/>
           </p:cNvSpPr>
@@ -5666,7 +5003,7 @@
         <p:spPr>
           <a:xfrm>
             <a:off x="311760" y="151920"/>
-            <a:ext cx="8519760" cy="572040"/>
+            <a:ext cx="8519400" cy="571680"/>
           </a:xfrm>
           <a:prstGeom prst="rect">
             <a:avLst/>
@@ -5698,7 +5035,197 @@
                 <a:latin typeface="Arial"/>
                 <a:ea typeface="Arial"/>
               </a:rPr>
-              <a:t>Anlamsal Segmentasyon</a:t>
+              <a:t>A</a:t>
+            </a:r>
+            <a:r>
+              <a:rPr b="0" lang="en-US" sz="2390" spc="-1" strike="noStrike">
+                <a:solidFill>
+                  <a:srgbClr val="000000"/>
+                </a:solidFill>
+                <a:latin typeface="Arial"/>
+                <a:ea typeface="Arial"/>
+              </a:rPr>
+              <a:t>n</a:t>
+            </a:r>
+            <a:r>
+              <a:rPr b="0" lang="en-US" sz="2390" spc="-1" strike="noStrike">
+                <a:solidFill>
+                  <a:srgbClr val="000000"/>
+                </a:solidFill>
+                <a:latin typeface="Arial"/>
+                <a:ea typeface="Arial"/>
+              </a:rPr>
+              <a:t>l</a:t>
+            </a:r>
+            <a:r>
+              <a:rPr b="0" lang="en-US" sz="2390" spc="-1" strike="noStrike">
+                <a:solidFill>
+                  <a:srgbClr val="000000"/>
+                </a:solidFill>
+                <a:latin typeface="Arial"/>
+                <a:ea typeface="Arial"/>
+              </a:rPr>
+              <a:t>a</a:t>
+            </a:r>
+            <a:r>
+              <a:rPr b="0" lang="en-US" sz="2390" spc="-1" strike="noStrike">
+                <a:solidFill>
+                  <a:srgbClr val="000000"/>
+                </a:solidFill>
+                <a:latin typeface="Arial"/>
+                <a:ea typeface="Arial"/>
+              </a:rPr>
+              <a:t>m</a:t>
+            </a:r>
+            <a:r>
+              <a:rPr b="0" lang="en-US" sz="2390" spc="-1" strike="noStrike">
+                <a:solidFill>
+                  <a:srgbClr val="000000"/>
+                </a:solidFill>
+                <a:latin typeface="Arial"/>
+                <a:ea typeface="Arial"/>
+              </a:rPr>
+              <a:t>s</a:t>
+            </a:r>
+            <a:r>
+              <a:rPr b="0" lang="en-US" sz="2390" spc="-1" strike="noStrike">
+                <a:solidFill>
+                  <a:srgbClr val="000000"/>
+                </a:solidFill>
+                <a:latin typeface="Arial"/>
+                <a:ea typeface="Arial"/>
+              </a:rPr>
+              <a:t>a</a:t>
+            </a:r>
+            <a:r>
+              <a:rPr b="0" lang="en-US" sz="2390" spc="-1" strike="noStrike">
+                <a:solidFill>
+                  <a:srgbClr val="000000"/>
+                </a:solidFill>
+                <a:latin typeface="Arial"/>
+                <a:ea typeface="Arial"/>
+              </a:rPr>
+              <a:t>l </a:t>
+            </a:r>
+            <a:r>
+              <a:rPr b="0" lang="en-US" sz="2390" spc="-1" strike="noStrike">
+                <a:solidFill>
+                  <a:srgbClr val="000000"/>
+                </a:solidFill>
+                <a:latin typeface="Arial"/>
+                <a:ea typeface="Arial"/>
+              </a:rPr>
+              <a:t>S</a:t>
+            </a:r>
+            <a:r>
+              <a:rPr b="0" lang="en-US" sz="2390" spc="-1" strike="noStrike">
+                <a:solidFill>
+                  <a:srgbClr val="000000"/>
+                </a:solidFill>
+                <a:latin typeface="Arial"/>
+                <a:ea typeface="Arial"/>
+              </a:rPr>
+              <a:t>e</a:t>
+            </a:r>
+            <a:r>
+              <a:rPr b="0" lang="en-US" sz="2390" spc="-1" strike="noStrike">
+                <a:solidFill>
+                  <a:srgbClr val="000000"/>
+                </a:solidFill>
+                <a:latin typeface="Arial"/>
+                <a:ea typeface="Arial"/>
+              </a:rPr>
+              <a:t>g</a:t>
+            </a:r>
+            <a:r>
+              <a:rPr b="0" lang="en-US" sz="2390" spc="-1" strike="noStrike">
+                <a:solidFill>
+                  <a:srgbClr val="000000"/>
+                </a:solidFill>
+                <a:latin typeface="Arial"/>
+                <a:ea typeface="Arial"/>
+              </a:rPr>
+              <a:t>m</a:t>
+            </a:r>
+            <a:r>
+              <a:rPr b="0" lang="en-US" sz="2390" spc="-1" strike="noStrike">
+                <a:solidFill>
+                  <a:srgbClr val="000000"/>
+                </a:solidFill>
+                <a:latin typeface="Arial"/>
+                <a:ea typeface="Arial"/>
+              </a:rPr>
+              <a:t>e</a:t>
+            </a:r>
+            <a:r>
+              <a:rPr b="0" lang="en-US" sz="2390" spc="-1" strike="noStrike">
+                <a:solidFill>
+                  <a:srgbClr val="000000"/>
+                </a:solidFill>
+                <a:latin typeface="Arial"/>
+                <a:ea typeface="Arial"/>
+              </a:rPr>
+              <a:t>n</a:t>
+            </a:r>
+            <a:r>
+              <a:rPr b="0" lang="en-US" sz="2390" spc="-1" strike="noStrike">
+                <a:solidFill>
+                  <a:srgbClr val="000000"/>
+                </a:solidFill>
+                <a:latin typeface="Arial"/>
+                <a:ea typeface="Arial"/>
+              </a:rPr>
+              <a:t>t</a:t>
+            </a:r>
+            <a:r>
+              <a:rPr b="0" lang="en-US" sz="2390" spc="-1" strike="noStrike">
+                <a:solidFill>
+                  <a:srgbClr val="000000"/>
+                </a:solidFill>
+                <a:latin typeface="Arial"/>
+                <a:ea typeface="Arial"/>
+              </a:rPr>
+              <a:t>a</a:t>
+            </a:r>
+            <a:r>
+              <a:rPr b="0" lang="en-US" sz="2390" spc="-1" strike="noStrike">
+                <a:solidFill>
+                  <a:srgbClr val="000000"/>
+                </a:solidFill>
+                <a:latin typeface="Arial"/>
+                <a:ea typeface="Arial"/>
+              </a:rPr>
+              <a:t>s</a:t>
+            </a:r>
+            <a:r>
+              <a:rPr b="0" lang="en-US" sz="2390" spc="-1" strike="noStrike">
+                <a:solidFill>
+                  <a:srgbClr val="000000"/>
+                </a:solidFill>
+                <a:latin typeface="Arial"/>
+                <a:ea typeface="Arial"/>
+              </a:rPr>
+              <a:t>y</a:t>
+            </a:r>
+            <a:r>
+              <a:rPr b="0" lang="en-US" sz="2390" spc="-1" strike="noStrike">
+                <a:solidFill>
+                  <a:srgbClr val="000000"/>
+                </a:solidFill>
+                <a:latin typeface="Arial"/>
+                <a:ea typeface="Arial"/>
+              </a:rPr>
+              <a:t>o</a:t>
+            </a:r>
+            <a:r>
+              <a:rPr b="0" lang="en-US" sz="2390" spc="-1" strike="noStrike">
+                <a:solidFill>
+                  <a:srgbClr val="000000"/>
+                </a:solidFill>
+                <a:latin typeface="Arial"/>
+                <a:ea typeface="Arial"/>
+              </a:rPr>
+              <a:t>n</a:t>
             </a:r>
             <a:endParaRPr b="0" lang="en-US" sz="2390" spc="-1" strike="noStrike">
               <a:latin typeface="Arial"/>
@@ -5708,7 +5235,7 @@
       </p:sp>
       <p:sp>
         <p:nvSpPr>
-          <p:cNvPr id="130" name="PlaceHolder 2"/>
+          <p:cNvPr id="131" name="PlaceHolder 2"/>
           <p:cNvSpPr>
             <a:spLocks noGrp="1"/>
           </p:cNvSpPr>
@@ -5719,7 +5246,7 @@
         <p:spPr>
           <a:xfrm>
             <a:off x="311760" y="863640"/>
-            <a:ext cx="8519760" cy="3415680"/>
+            <a:ext cx="8519400" cy="3415320"/>
           </a:xfrm>
           <a:prstGeom prst="rect">
             <a:avLst/>
@@ -5764,7 +5291,7 @@
       </p:sp>
       <p:pic>
         <p:nvPicPr>
-          <p:cNvPr id="131" name="Google Shape;62;p14" descr=""/>
+          <p:cNvPr id="132" name="Google Shape;62;p14" descr=""/>
           <p:cNvPicPr/>
           <p:nvPr/>
         </p:nvPicPr>
@@ -5775,7 +5302,7 @@
         <p:spPr>
           <a:xfrm>
             <a:off x="1535400" y="1572480"/>
-            <a:ext cx="6072840" cy="2706480"/>
+            <a:ext cx="6072480" cy="2706120"/>
           </a:xfrm>
           <a:prstGeom prst="rect">
             <a:avLst/>
@@ -5817,7 +5344,7 @@
       </p:grpSpPr>
       <p:sp>
         <p:nvSpPr>
-          <p:cNvPr id="132" name="PlaceHolder 1"/>
+          <p:cNvPr id="133" name="PlaceHolder 1"/>
           <p:cNvSpPr>
             <a:spLocks noGrp="1"/>
           </p:cNvSpPr>
@@ -5828,7 +5355,7 @@
         <p:spPr>
           <a:xfrm>
             <a:off x="311760" y="225360"/>
-            <a:ext cx="8519760" cy="572040"/>
+            <a:ext cx="8519400" cy="571680"/>
           </a:xfrm>
           <a:prstGeom prst="rect">
             <a:avLst/>
@@ -5870,7 +5397,7 @@
       </p:sp>
       <p:sp>
         <p:nvSpPr>
-          <p:cNvPr id="133" name="PlaceHolder 2"/>
+          <p:cNvPr id="134" name="PlaceHolder 2"/>
           <p:cNvSpPr>
             <a:spLocks noGrp="1"/>
           </p:cNvSpPr>
@@ -5881,7 +5408,7 @@
         <p:spPr>
           <a:xfrm>
             <a:off x="311760" y="857160"/>
-            <a:ext cx="8519760" cy="3710880"/>
+            <a:ext cx="8519400" cy="3710520"/>
           </a:xfrm>
           <a:prstGeom prst="rect">
             <a:avLst/>
@@ -5979,17 +5506,7 @@
                 <a:latin typeface="Arial"/>
                 <a:ea typeface="Arial"/>
               </a:rPr>
-              <a:t>b</a:t>
-            </a:r>
-            <a:r>
-              <a:rPr b="0" lang="en-US" sz="1200" spc="-1" strike="noStrike">
-                <a:solidFill>
-                  <a:srgbClr val="595959"/>
-                </a:solidFill>
-                <a:latin typeface="Arial"/>
-                <a:ea typeface="Arial"/>
-              </a:rPr>
-              <a:t>u her küçük parça, U-Net gıbı bir segmentasyon modeli tarafından ayrı ayrı işlenir.</a:t>
+              <a:t>bu her küçük parça, U-Net gıbı bir segmentasyon modeli tarafından ayrı ayrı işlenir.</a:t>
             </a:r>
             <a:endParaRPr b="0" lang="en-US" sz="1200" spc="-1" strike="noStrike">
               <a:latin typeface="Arial"/>
@@ -6034,7 +5551,7 @@
       </p:sp>
       <p:pic>
         <p:nvPicPr>
-          <p:cNvPr id="134" name="Google Shape;153;p23" descr=""/>
+          <p:cNvPr id="135" name="Google Shape;153;p23" descr=""/>
           <p:cNvPicPr/>
           <p:nvPr/>
         </p:nvPicPr>
@@ -6045,7 +5562,7 @@
         <p:spPr>
           <a:xfrm>
             <a:off x="2212560" y="2432520"/>
-            <a:ext cx="4845960" cy="2333880"/>
+            <a:ext cx="4845600" cy="2333520"/>
           </a:xfrm>
           <a:prstGeom prst="rect">
             <a:avLst/>
@@ -6087,7 +5604,7 @@
       </p:grpSpPr>
       <p:sp>
         <p:nvSpPr>
-          <p:cNvPr id="135" name="PlaceHolder 1"/>
+          <p:cNvPr id="136" name="PlaceHolder 1"/>
           <p:cNvSpPr>
             <a:spLocks noGrp="1"/>
           </p:cNvSpPr>
@@ -6098,7 +5615,7 @@
         <p:spPr>
           <a:xfrm>
             <a:off x="311760" y="166680"/>
-            <a:ext cx="8519760" cy="572040"/>
+            <a:ext cx="8519400" cy="571680"/>
           </a:xfrm>
           <a:prstGeom prst="rect">
             <a:avLst/>
@@ -6140,7 +5657,7 @@
       </p:sp>
       <p:sp>
         <p:nvSpPr>
-          <p:cNvPr id="136" name="PlaceHolder 2"/>
+          <p:cNvPr id="137" name="PlaceHolder 2"/>
           <p:cNvSpPr>
             <a:spLocks noGrp="1"/>
           </p:cNvSpPr>
@@ -6151,7 +5668,7 @@
         <p:spPr>
           <a:xfrm>
             <a:off x="311760" y="871920"/>
-            <a:ext cx="8519760" cy="3696120"/>
+            <a:ext cx="8519400" cy="3695760"/>
           </a:xfrm>
           <a:prstGeom prst="rect">
             <a:avLst/>
@@ -6184,7 +5701,7 @@
                 <a:latin typeface="Arial"/>
                 <a:ea typeface="Arial"/>
               </a:rPr>
-              <a:t>Makale ilk hazırlandığında mikroskobik tıbbi segmentasyonlar için taarlandı</a:t>
+              <a:t>Makale ilk hazırlandığında mikroskobik tıbbi segmentasyonlar için tasarlandı</a:t>
             </a:r>
             <a:endParaRPr b="0" lang="en-US" sz="1400" spc="-1" strike="noStrike">
               <a:latin typeface="Arial"/>
@@ -6369,7 +5886,7 @@
       </p:grpSpPr>
       <p:sp>
         <p:nvSpPr>
-          <p:cNvPr id="137" name="PlaceHolder 1"/>
+          <p:cNvPr id="138" name="PlaceHolder 1"/>
           <p:cNvSpPr>
             <a:spLocks noGrp="1"/>
           </p:cNvSpPr>
@@ -6380,7 +5897,7 @@
         <p:spPr>
           <a:xfrm>
             <a:off x="311760" y="166680"/>
-            <a:ext cx="8519760" cy="572040"/>
+            <a:ext cx="8519400" cy="571680"/>
           </a:xfrm>
           <a:prstGeom prst="rect">
             <a:avLst/>
@@ -6422,7 +5939,7 @@
       </p:sp>
       <p:pic>
         <p:nvPicPr>
-          <p:cNvPr id="138" name="Google Shape;180;p26" descr=""/>
+          <p:cNvPr id="139" name="Google Shape;180;p26" descr=""/>
           <p:cNvPicPr/>
           <p:nvPr/>
         </p:nvPicPr>
@@ -6432,8 +5949,8 @@
         </p:blipFill>
         <p:spPr>
           <a:xfrm>
-            <a:off x="1585440" y="769680"/>
-            <a:ext cx="5500800" cy="1801440"/>
+            <a:off x="1600200" y="738360"/>
+            <a:ext cx="5500440" cy="1801080"/>
           </a:xfrm>
           <a:prstGeom prst="rect">
             <a:avLst/>
@@ -6445,7 +5962,7 @@
       </p:pic>
       <p:pic>
         <p:nvPicPr>
-          <p:cNvPr id="139" name="Google Shape;181;p26" descr=""/>
+          <p:cNvPr id="140" name="Google Shape;181;p26" descr=""/>
           <p:cNvPicPr/>
           <p:nvPr/>
         </p:nvPicPr>
@@ -6456,7 +5973,7 @@
         <p:spPr>
           <a:xfrm>
             <a:off x="1258920" y="2602080"/>
-            <a:ext cx="3531600" cy="2266200"/>
+            <a:ext cx="3531240" cy="2265840"/>
           </a:xfrm>
           <a:prstGeom prst="rect">
             <a:avLst/>
@@ -6468,7 +5985,7 @@
       </p:pic>
       <p:pic>
         <p:nvPicPr>
-          <p:cNvPr id="140" name="Google Shape;182;p26" descr=""/>
+          <p:cNvPr id="141" name="Google Shape;182;p26" descr=""/>
           <p:cNvPicPr/>
           <p:nvPr/>
         </p:nvPicPr>
@@ -6479,7 +5996,7 @@
         <p:spPr>
           <a:xfrm>
             <a:off x="4943520" y="2602080"/>
-            <a:ext cx="3314880" cy="2266200"/>
+            <a:ext cx="3314520" cy="2265840"/>
           </a:xfrm>
           <a:prstGeom prst="rect">
             <a:avLst/>
@@ -6521,7 +6038,7 @@
       </p:grpSpPr>
       <p:sp>
         <p:nvSpPr>
-          <p:cNvPr id="141" name="PlaceHolder 1"/>
+          <p:cNvPr id="142" name="PlaceHolder 1"/>
           <p:cNvSpPr>
             <a:spLocks noGrp="1"/>
           </p:cNvSpPr>
@@ -6532,7 +6049,7 @@
         <p:spPr>
           <a:xfrm>
             <a:off x="311760" y="151920"/>
-            <a:ext cx="8519760" cy="572040"/>
+            <a:ext cx="8519400" cy="571680"/>
           </a:xfrm>
           <a:prstGeom prst="rect">
             <a:avLst/>
@@ -6574,7 +6091,7 @@
       </p:sp>
       <p:sp>
         <p:nvSpPr>
-          <p:cNvPr id="142" name="PlaceHolder 2"/>
+          <p:cNvPr id="143" name="PlaceHolder 2"/>
           <p:cNvSpPr>
             <a:spLocks noGrp="1"/>
           </p:cNvSpPr>
@@ -6585,7 +6102,7 @@
         <p:spPr>
           <a:xfrm>
             <a:off x="311760" y="828000"/>
-            <a:ext cx="8519760" cy="3740400"/>
+            <a:ext cx="8519400" cy="3740040"/>
           </a:xfrm>
           <a:prstGeom prst="rect">
             <a:avLst/>
@@ -6662,10 +6179,11 @@
               <a:t>[2] </a:t>
             </a:r>
             <a:r>
-              <a:rPr b="0" lang="en-US" sz="1400" spc="-1" strike="noStrike">
-                <a:solidFill>
-                  <a:srgbClr val="595959"/>
-                </a:solidFill>
+              <a:rPr b="0" lang="en-US" sz="1400" spc="-1" strike="noStrike" u="sng">
+                <a:solidFill>
+                  <a:srgbClr val="0097a7"/>
+                </a:solidFill>
+                <a:uFillTx/>
                 <a:latin typeface="Arial"/>
                 <a:ea typeface="Arial"/>
                 <a:hlinkClick r:id="rId2"/>
@@ -6703,10 +6221,11 @@
               <a:t>[3]</a:t>
             </a:r>
             <a:r>
-              <a:rPr b="0" lang="en-US" sz="1400" spc="-1" strike="noStrike">
-                <a:solidFill>
-                  <a:srgbClr val="595959"/>
-                </a:solidFill>
+              <a:rPr b="0" lang="en-US" sz="1400" spc="-1" strike="noStrike" u="sng">
+                <a:solidFill>
+                  <a:srgbClr val="0097a7"/>
+                </a:solidFill>
+                <a:uFillTx/>
                 <a:latin typeface="Arial"/>
                 <a:ea typeface="Arial"/>
                 <a:hlinkClick r:id="rId3"/>
@@ -6744,10 +6263,11 @@
               <a:t>[4]</a:t>
             </a:r>
             <a:r>
-              <a:rPr b="0" lang="en-US" sz="1400" spc="-1" strike="noStrike">
-                <a:solidFill>
-                  <a:srgbClr val="595959"/>
-                </a:solidFill>
+              <a:rPr b="0" lang="en-US" sz="1400" spc="-1" strike="noStrike" u="sng">
+                <a:solidFill>
+                  <a:srgbClr val="0097a7"/>
+                </a:solidFill>
+                <a:uFillTx/>
                 <a:latin typeface="Arial"/>
                 <a:ea typeface="Arial"/>
                 <a:hlinkClick r:id="rId4"/>
@@ -6803,7 +6323,7 @@
         <p:spPr>
           <a:xfrm>
             <a:off x="311760" y="188640"/>
-            <a:ext cx="8519760" cy="572040"/>
+            <a:ext cx="8519400" cy="571680"/>
           </a:xfrm>
           <a:prstGeom prst="rect">
             <a:avLst/>
@@ -6946,7 +6466,7 @@
         <p:spPr>
           <a:xfrm>
             <a:off x="311760" y="840600"/>
-            <a:ext cx="8519760" cy="3696120"/>
+            <a:ext cx="8519400" cy="3695760"/>
           </a:xfrm>
           <a:prstGeom prst="rect">
             <a:avLst/>
@@ -7100,7 +6620,7 @@
         <p:spPr>
           <a:xfrm>
             <a:off x="311760" y="188640"/>
-            <a:ext cx="8519760" cy="572040"/>
+            <a:ext cx="8519400" cy="571680"/>
           </a:xfrm>
           <a:prstGeom prst="rect">
             <a:avLst/>
@@ -7233,7 +6753,7 @@
         <p:spPr>
           <a:xfrm>
             <a:off x="311760" y="1104120"/>
-            <a:ext cx="8519760" cy="3696120"/>
+            <a:ext cx="8519400" cy="3695760"/>
           </a:xfrm>
           <a:prstGeom prst="rect">
             <a:avLst/>
@@ -7449,7 +6969,7 @@
         <p:spPr>
           <a:xfrm>
             <a:off x="311760" y="188640"/>
-            <a:ext cx="8519760" cy="572040"/>
+            <a:ext cx="8519400" cy="571680"/>
           </a:xfrm>
           <a:prstGeom prst="rect">
             <a:avLst/>
@@ -7481,117 +7001,7 @@
                 <a:latin typeface="Arial"/>
                 <a:ea typeface="Arial"/>
               </a:rPr>
-              <a:t>D</a:t>
-            </a:r>
-            <a:r>
-              <a:rPr b="0" lang="en-US" sz="2800" spc="-1" strike="noStrike">
-                <a:solidFill>
-                  <a:srgbClr val="000000"/>
-                </a:solidFill>
-                <a:latin typeface="Arial"/>
-                <a:ea typeface="Arial"/>
-              </a:rPr>
-              <a:t>e</a:t>
-            </a:r>
-            <a:r>
-              <a:rPr b="0" lang="en-US" sz="2800" spc="-1" strike="noStrike">
-                <a:solidFill>
-                  <a:srgbClr val="000000"/>
-                </a:solidFill>
-                <a:latin typeface="Arial"/>
-                <a:ea typeface="Arial"/>
-              </a:rPr>
-              <a:t>z</a:t>
-            </a:r>
-            <a:r>
-              <a:rPr b="0" lang="en-US" sz="2800" spc="-1" strike="noStrike">
-                <a:solidFill>
-                  <a:srgbClr val="000000"/>
-                </a:solidFill>
-                <a:latin typeface="Arial"/>
-                <a:ea typeface="Arial"/>
-              </a:rPr>
-              <a:t>a</a:t>
-            </a:r>
-            <a:r>
-              <a:rPr b="0" lang="en-US" sz="2800" spc="-1" strike="noStrike">
-                <a:solidFill>
-                  <a:srgbClr val="000000"/>
-                </a:solidFill>
-                <a:latin typeface="Arial"/>
-                <a:ea typeface="Arial"/>
-              </a:rPr>
-              <a:t>v</a:t>
-            </a:r>
-            <a:r>
-              <a:rPr b="0" lang="en-US" sz="2800" spc="-1" strike="noStrike">
-                <a:solidFill>
-                  <a:srgbClr val="000000"/>
-                </a:solidFill>
-                <a:latin typeface="Arial"/>
-                <a:ea typeface="Arial"/>
-              </a:rPr>
-              <a:t>a</a:t>
-            </a:r>
-            <a:r>
-              <a:rPr b="0" lang="en-US" sz="2800" spc="-1" strike="noStrike">
-                <a:solidFill>
-                  <a:srgbClr val="000000"/>
-                </a:solidFill>
-                <a:latin typeface="Arial"/>
-                <a:ea typeface="Arial"/>
-              </a:rPr>
-              <a:t>n</a:t>
-            </a:r>
-            <a:r>
-              <a:rPr b="0" lang="en-US" sz="2800" spc="-1" strike="noStrike">
-                <a:solidFill>
-                  <a:srgbClr val="000000"/>
-                </a:solidFill>
-                <a:latin typeface="Arial"/>
-                <a:ea typeface="Arial"/>
-              </a:rPr>
-              <a:t>t</a:t>
-            </a:r>
-            <a:r>
-              <a:rPr b="0" lang="en-US" sz="2800" spc="-1" strike="noStrike">
-                <a:solidFill>
-                  <a:srgbClr val="000000"/>
-                </a:solidFill>
-                <a:latin typeface="Arial"/>
-                <a:ea typeface="Arial"/>
-              </a:rPr>
-              <a:t>a</a:t>
-            </a:r>
-            <a:r>
-              <a:rPr b="0" lang="en-US" sz="2800" spc="-1" strike="noStrike">
-                <a:solidFill>
-                  <a:srgbClr val="000000"/>
-                </a:solidFill>
-                <a:latin typeface="Arial"/>
-                <a:ea typeface="Arial"/>
-              </a:rPr>
-              <a:t>jl</a:t>
-            </a:r>
-            <a:r>
-              <a:rPr b="0" lang="en-US" sz="2800" spc="-1" strike="noStrike">
-                <a:solidFill>
-                  <a:srgbClr val="000000"/>
-                </a:solidFill>
-                <a:latin typeface="Arial"/>
-                <a:ea typeface="Arial"/>
-              </a:rPr>
-              <a:t>a</a:t>
-            </a:r>
-            <a:r>
-              <a:rPr b="0" lang="en-US" sz="2800" spc="-1" strike="noStrike">
-                <a:solidFill>
-                  <a:srgbClr val="000000"/>
-                </a:solidFill>
-                <a:latin typeface="Arial"/>
-                <a:ea typeface="Arial"/>
-              </a:rPr>
-              <a:t>rı</a:t>
+              <a:t>Dezavantajları</a:t>
             </a:r>
             <a:endParaRPr b="0" lang="en-US" sz="2800" spc="-1" strike="noStrike">
               <a:latin typeface="Arial"/>
@@ -7612,7 +7022,7 @@
         <p:spPr>
           <a:xfrm>
             <a:off x="311760" y="1104120"/>
-            <a:ext cx="8519760" cy="3696120"/>
+            <a:ext cx="8519400" cy="3695760"/>
           </a:xfrm>
           <a:prstGeom prst="rect">
             <a:avLst/>
@@ -7828,7 +7238,7 @@
         <p:spPr>
           <a:xfrm>
             <a:off x="311760" y="203400"/>
-            <a:ext cx="8519760" cy="572040"/>
+            <a:ext cx="8519400" cy="571680"/>
           </a:xfrm>
           <a:prstGeom prst="rect">
             <a:avLst/>
@@ -7860,47 +7270,7 @@
                 <a:latin typeface="Arial"/>
                 <a:ea typeface="Arial"/>
               </a:rPr>
-              <a:t>U</a:t>
-            </a:r>
-            <a:r>
-              <a:rPr b="0" lang="en-US" sz="2800" spc="-1" strike="noStrike">
-                <a:solidFill>
-                  <a:srgbClr val="000000"/>
-                </a:solidFill>
-                <a:latin typeface="Arial"/>
-                <a:ea typeface="Arial"/>
-              </a:rPr>
-              <a:t>-</a:t>
-            </a:r>
-            <a:r>
-              <a:rPr b="0" lang="en-US" sz="2800" spc="-1" strike="noStrike">
-                <a:solidFill>
-                  <a:srgbClr val="000000"/>
-                </a:solidFill>
-                <a:latin typeface="Arial"/>
-                <a:ea typeface="Arial"/>
-              </a:rPr>
-              <a:t>N</a:t>
-            </a:r>
-            <a:r>
-              <a:rPr b="0" lang="en-US" sz="2800" spc="-1" strike="noStrike">
-                <a:solidFill>
-                  <a:srgbClr val="000000"/>
-                </a:solidFill>
-                <a:latin typeface="Arial"/>
-                <a:ea typeface="Arial"/>
-              </a:rPr>
-              <a:t>e</a:t>
-            </a:r>
-            <a:r>
-              <a:rPr b="0" lang="en-US" sz="2800" spc="-1" strike="noStrike">
-                <a:solidFill>
-                  <a:srgbClr val="000000"/>
-                </a:solidFill>
-                <a:latin typeface="Arial"/>
-                <a:ea typeface="Arial"/>
-              </a:rPr>
-              <a:t>t</a:t>
+              <a:t>U-Net</a:t>
             </a:r>
             <a:endParaRPr b="0" lang="en-US" sz="2800" spc="-1" strike="noStrike">
               <a:latin typeface="Arial"/>
@@ -7921,7 +7291,7 @@
         <p:spPr>
           <a:xfrm>
             <a:off x="457200" y="914400"/>
-            <a:ext cx="8519760" cy="3755160"/>
+            <a:ext cx="8519400" cy="3754800"/>
           </a:xfrm>
           <a:prstGeom prst="rect">
             <a:avLst/>
@@ -8200,7 +7570,7 @@
                 <a:latin typeface="Arial"/>
                 <a:ea typeface="Arial"/>
               </a:rPr>
-              <a:t>increase</a:t>
+              <a:t>düşürülür</a:t>
             </a:r>
             <a:endParaRPr b="0" lang="en-US" sz="1300" spc="-1" strike="noStrike">
               <a:latin typeface="Arial"/>
@@ -8267,7 +7637,7 @@
         <p:spPr>
           <a:xfrm>
             <a:off x="4696560" y="131760"/>
-            <a:ext cx="4294440" cy="2940120"/>
+            <a:ext cx="4294080" cy="2939760"/>
           </a:xfrm>
           <a:prstGeom prst="rect">
             <a:avLst/>
@@ -8286,7 +7656,7 @@
         <p:spPr>
           <a:xfrm>
             <a:off x="4637880" y="161280"/>
-            <a:ext cx="1699200" cy="2666160"/>
+            <a:ext cx="1698840" cy="2665800"/>
           </a:xfrm>
           <a:prstGeom prst="rect">
             <a:avLst/>
@@ -8315,7 +7685,7 @@
         <p:spPr>
           <a:xfrm>
             <a:off x="6622200" y="161280"/>
-            <a:ext cx="1699200" cy="2666160"/>
+            <a:ext cx="1698840" cy="2665800"/>
           </a:xfrm>
           <a:prstGeom prst="rect">
             <a:avLst/>
@@ -8344,7 +7714,7 @@
         <p:spPr>
           <a:xfrm>
             <a:off x="4974840" y="2828160"/>
-            <a:ext cx="1164240" cy="275040"/>
+            <a:ext cx="1163880" cy="275040"/>
           </a:xfrm>
           <a:prstGeom prst="rect">
             <a:avLst/>
@@ -8399,7 +7769,7 @@
         <p:spPr>
           <a:xfrm>
             <a:off x="7039800" y="2828160"/>
-            <a:ext cx="1164240" cy="275040"/>
+            <a:ext cx="1163880" cy="275040"/>
           </a:xfrm>
           <a:prstGeom prst="rect">
             <a:avLst/>
@@ -8454,7 +7824,7 @@
         <p:spPr>
           <a:xfrm>
             <a:off x="6622200" y="1545840"/>
-            <a:ext cx="1384200" cy="275040"/>
+            <a:ext cx="1383840" cy="275040"/>
           </a:xfrm>
           <a:prstGeom prst="rect">
             <a:avLst/>
@@ -8543,7 +7913,7 @@
         <p:spPr>
           <a:xfrm>
             <a:off x="311760" y="144720"/>
-            <a:ext cx="8519760" cy="572040"/>
+            <a:ext cx="8519400" cy="571680"/>
           </a:xfrm>
           <a:prstGeom prst="rect">
             <a:avLst/>
@@ -8597,7 +7967,7 @@
         <p:spPr>
           <a:xfrm>
             <a:off x="1553400" y="717480"/>
-            <a:ext cx="5912280" cy="4047480"/>
+            <a:ext cx="5911920" cy="4047120"/>
           </a:xfrm>
           <a:prstGeom prst="rect">
             <a:avLst/>
@@ -8615,8 +7985,8 @@
         </p:nvSpPr>
         <p:spPr>
           <a:xfrm flipH="1">
-            <a:off x="695520" y="989280"/>
-            <a:ext cx="6480" cy="3816360"/>
+            <a:off x="694800" y="989280"/>
+            <a:ext cx="6120" cy="3816000"/>
           </a:xfrm>
           <a:custGeom>
             <a:avLst/>
@@ -8658,8 +8028,8 @@
         </p:nvSpPr>
         <p:spPr>
           <a:xfrm flipH="1" rot="10800000">
-            <a:off x="8001000" y="914760"/>
-            <a:ext cx="6480" cy="3780000"/>
+            <a:off x="8000640" y="915120"/>
+            <a:ext cx="6120" cy="3779640"/>
           </a:xfrm>
           <a:custGeom>
             <a:avLst/>
@@ -8702,7 +8072,7 @@
         <p:spPr>
           <a:xfrm>
             <a:off x="703440" y="4520880"/>
-            <a:ext cx="1369440" cy="305280"/>
+            <a:ext cx="1369080" cy="305280"/>
           </a:xfrm>
           <a:prstGeom prst="rect">
             <a:avLst/>
@@ -8757,7 +8127,7 @@
         <p:spPr>
           <a:xfrm>
             <a:off x="8118360" y="833760"/>
-            <a:ext cx="1369440" cy="305280"/>
+            <a:ext cx="1369080" cy="305280"/>
           </a:xfrm>
           <a:prstGeom prst="rect">
             <a:avLst/>
@@ -8812,7 +8182,7 @@
         <p:spPr>
           <a:xfrm>
             <a:off x="2344680" y="1333440"/>
-            <a:ext cx="394920" cy="365760"/>
+            <a:ext cx="394560" cy="365760"/>
           </a:xfrm>
           <a:prstGeom prst="rect">
             <a:avLst/>
@@ -8867,7 +8237,7 @@
         <p:spPr>
           <a:xfrm>
             <a:off x="2674440" y="2658240"/>
-            <a:ext cx="394920" cy="365760"/>
+            <a:ext cx="394560" cy="365760"/>
           </a:xfrm>
           <a:prstGeom prst="rect">
             <a:avLst/>
@@ -8922,7 +8292,7 @@
         <p:spPr>
           <a:xfrm>
             <a:off x="3128400" y="3456720"/>
-            <a:ext cx="394920" cy="365760"/>
+            <a:ext cx="394560" cy="365760"/>
           </a:xfrm>
           <a:prstGeom prst="rect">
             <a:avLst/>
@@ -8977,7 +8347,7 @@
         <p:spPr>
           <a:xfrm>
             <a:off x="3700080" y="3865680"/>
-            <a:ext cx="394920" cy="365760"/>
+            <a:ext cx="394560" cy="365760"/>
           </a:xfrm>
           <a:prstGeom prst="rect">
             <a:avLst/>
@@ -9032,7 +8402,7 @@
         <p:spPr>
           <a:xfrm>
             <a:off x="5495400" y="1295280"/>
-            <a:ext cx="394920" cy="365760"/>
+            <a:ext cx="394560" cy="365760"/>
           </a:xfrm>
           <a:prstGeom prst="rect">
             <a:avLst/>
@@ -9087,7 +8457,7 @@
         <p:spPr>
           <a:xfrm>
             <a:off x="5099400" y="2658240"/>
-            <a:ext cx="394920" cy="365760"/>
+            <a:ext cx="394560" cy="365760"/>
           </a:xfrm>
           <a:prstGeom prst="rect">
             <a:avLst/>
@@ -9142,7 +8512,7 @@
         <p:spPr>
           <a:xfrm>
             <a:off x="4572000" y="3456720"/>
-            <a:ext cx="394920" cy="365760"/>
+            <a:ext cx="394560" cy="365760"/>
           </a:xfrm>
           <a:prstGeom prst="rect">
             <a:avLst/>
@@ -9197,7 +8567,7 @@
         <p:spPr>
           <a:xfrm>
             <a:off x="4007880" y="3865680"/>
-            <a:ext cx="394920" cy="365760"/>
+            <a:ext cx="394560" cy="365760"/>
           </a:xfrm>
           <a:prstGeom prst="rect">
             <a:avLst/>
@@ -9252,7 +8622,7 @@
         <p:spPr>
           <a:xfrm>
             <a:off x="2765880" y="2012400"/>
-            <a:ext cx="2878560" cy="487080"/>
+            <a:ext cx="2878200" cy="487080"/>
           </a:xfrm>
           <a:prstGeom prst="rect">
             <a:avLst/>
@@ -9321,7 +8691,7 @@
         <p:spPr>
           <a:xfrm>
             <a:off x="703440" y="833760"/>
-            <a:ext cx="1369440" cy="305280"/>
+            <a:ext cx="1369080" cy="305280"/>
           </a:xfrm>
           <a:prstGeom prst="rect">
             <a:avLst/>
@@ -9376,7 +8746,7 @@
         <p:spPr>
           <a:xfrm>
             <a:off x="8001000" y="4520880"/>
-            <a:ext cx="1369440" cy="305280"/>
+            <a:ext cx="1369080" cy="305280"/>
           </a:xfrm>
           <a:prstGeom prst="rect">
             <a:avLst/>
@@ -9465,7 +8835,7 @@
         <p:spPr>
           <a:xfrm>
             <a:off x="311760" y="217800"/>
-            <a:ext cx="8519760" cy="572040"/>
+            <a:ext cx="8519400" cy="571680"/>
           </a:xfrm>
           <a:prstGeom prst="rect">
             <a:avLst/>
@@ -9497,7 +8867,27 @@
                 <a:latin typeface="Arial"/>
                 <a:ea typeface="Arial"/>
               </a:rPr>
-              <a:t>Encode Kısmı</a:t>
+              <a:t>Encod</a:t>
+            </a:r>
+            <a:r>
+              <a:rPr b="0" lang="en-US" sz="2800" spc="-1" strike="noStrike">
+                <a:solidFill>
+                  <a:srgbClr val="000000"/>
+                </a:solidFill>
+                <a:latin typeface="Arial"/>
+                <a:ea typeface="Arial"/>
+              </a:rPr>
+              <a:t>e </a:t>
+            </a:r>
+            <a:r>
+              <a:rPr b="0" lang="en-US" sz="2800" spc="-1" strike="noStrike">
+                <a:solidFill>
+                  <a:srgbClr val="000000"/>
+                </a:solidFill>
+                <a:latin typeface="Arial"/>
+                <a:ea typeface="Arial"/>
+              </a:rPr>
+              <a:t>Kısmı</a:t>
             </a:r>
             <a:endParaRPr b="0" lang="en-US" sz="2800" spc="-1" strike="noStrike">
               <a:latin typeface="Arial"/>
@@ -9518,7 +8908,7 @@
         <p:spPr>
           <a:xfrm>
             <a:off x="311760" y="842760"/>
-            <a:ext cx="8519760" cy="3725640"/>
+            <a:ext cx="8519400" cy="3725280"/>
           </a:xfrm>
           <a:prstGeom prst="rect">
             <a:avLst/>
@@ -9744,7 +9134,7 @@
         <p:spPr>
           <a:xfrm>
             <a:off x="4689360" y="2066040"/>
-            <a:ext cx="4294440" cy="2940120"/>
+            <a:ext cx="4294080" cy="2939760"/>
           </a:xfrm>
           <a:prstGeom prst="rect">
             <a:avLst/>
@@ -9763,7 +9153,7 @@
         <p:spPr>
           <a:xfrm>
             <a:off x="4696560" y="2080800"/>
-            <a:ext cx="1647720" cy="2695680"/>
+            <a:ext cx="1647360" cy="2695320"/>
           </a:xfrm>
           <a:prstGeom prst="rect">
             <a:avLst/>
@@ -9792,7 +9182,7 @@
         <p:spPr>
           <a:xfrm>
             <a:off x="4894200" y="2981880"/>
-            <a:ext cx="358560" cy="372960"/>
+            <a:ext cx="358200" cy="372600"/>
           </a:xfrm>
           <a:prstGeom prst="rect">
             <a:avLst/>
@@ -9855,7 +9245,7 @@
         <p:spPr>
           <a:xfrm>
             <a:off x="311760" y="217800"/>
-            <a:ext cx="8519760" cy="572040"/>
+            <a:ext cx="8519400" cy="571680"/>
           </a:xfrm>
           <a:prstGeom prst="rect">
             <a:avLst/>
@@ -9887,7 +9277,127 @@
                 <a:latin typeface="Arial"/>
                 <a:ea typeface="Arial"/>
               </a:rPr>
-              <a:t>Darboğaz Kısmı</a:t>
+              <a:t>D</a:t>
+            </a:r>
+            <a:r>
+              <a:rPr b="0" lang="en-US" sz="2800" spc="-1" strike="noStrike">
+                <a:solidFill>
+                  <a:srgbClr val="000000"/>
+                </a:solidFill>
+                <a:latin typeface="Arial"/>
+                <a:ea typeface="Arial"/>
+              </a:rPr>
+              <a:t>a</a:t>
+            </a:r>
+            <a:r>
+              <a:rPr b="0" lang="en-US" sz="2800" spc="-1" strike="noStrike">
+                <a:solidFill>
+                  <a:srgbClr val="000000"/>
+                </a:solidFill>
+                <a:latin typeface="Arial"/>
+                <a:ea typeface="Arial"/>
+              </a:rPr>
+              <a:t>r</a:t>
+            </a:r>
+            <a:r>
+              <a:rPr b="0" lang="en-US" sz="2800" spc="-1" strike="noStrike">
+                <a:solidFill>
+                  <a:srgbClr val="000000"/>
+                </a:solidFill>
+                <a:latin typeface="Arial"/>
+                <a:ea typeface="Arial"/>
+              </a:rPr>
+              <a:t>b</a:t>
+            </a:r>
+            <a:r>
+              <a:rPr b="0" lang="en-US" sz="2800" spc="-1" strike="noStrike">
+                <a:solidFill>
+                  <a:srgbClr val="000000"/>
+                </a:solidFill>
+                <a:latin typeface="Arial"/>
+                <a:ea typeface="Arial"/>
+              </a:rPr>
+              <a:t>o</a:t>
+            </a:r>
+            <a:r>
+              <a:rPr b="0" lang="en-US" sz="2800" spc="-1" strike="noStrike">
+                <a:solidFill>
+                  <a:srgbClr val="000000"/>
+                </a:solidFill>
+                <a:latin typeface="Arial"/>
+                <a:ea typeface="Arial"/>
+              </a:rPr>
+              <a:t>ğ</a:t>
+            </a:r>
+            <a:r>
+              <a:rPr b="0" lang="en-US" sz="2800" spc="-1" strike="noStrike">
+                <a:solidFill>
+                  <a:srgbClr val="000000"/>
+                </a:solidFill>
+                <a:latin typeface="Arial"/>
+                <a:ea typeface="Arial"/>
+              </a:rPr>
+              <a:t>a</a:t>
+            </a:r>
+            <a:r>
+              <a:rPr b="0" lang="en-US" sz="2800" spc="-1" strike="noStrike">
+                <a:solidFill>
+                  <a:srgbClr val="000000"/>
+                </a:solidFill>
+                <a:latin typeface="Arial"/>
+                <a:ea typeface="Arial"/>
+              </a:rPr>
+              <a:t>z </a:t>
+            </a:r>
+            <a:r>
+              <a:rPr b="0" lang="en-US" sz="2800" spc="-1" strike="noStrike">
+                <a:solidFill>
+                  <a:srgbClr val="000000"/>
+                </a:solidFill>
+                <a:latin typeface="Arial"/>
+                <a:ea typeface="Arial"/>
+              </a:rPr>
+              <a:t>K</a:t>
+            </a:r>
+            <a:r>
+              <a:rPr b="0" lang="en-US" sz="2800" spc="-1" strike="noStrike">
+                <a:solidFill>
+                  <a:srgbClr val="000000"/>
+                </a:solidFill>
+                <a:latin typeface="Arial"/>
+                <a:ea typeface="Arial"/>
+              </a:rPr>
+              <a:t>ı</a:t>
+            </a:r>
+            <a:r>
+              <a:rPr b="0" lang="en-US" sz="2800" spc="-1" strike="noStrike">
+                <a:solidFill>
+                  <a:srgbClr val="000000"/>
+                </a:solidFill>
+                <a:latin typeface="Arial"/>
+                <a:ea typeface="Arial"/>
+              </a:rPr>
+              <a:t>s</a:t>
+            </a:r>
+            <a:r>
+              <a:rPr b="0" lang="en-US" sz="2800" spc="-1" strike="noStrike">
+                <a:solidFill>
+                  <a:srgbClr val="000000"/>
+                </a:solidFill>
+                <a:latin typeface="Arial"/>
+                <a:ea typeface="Arial"/>
+              </a:rPr>
+              <a:t>m</a:t>
+            </a:r>
+            <a:r>
+              <a:rPr b="0" lang="en-US" sz="2800" spc="-1" strike="noStrike">
+                <a:solidFill>
+                  <a:srgbClr val="000000"/>
+                </a:solidFill>
+                <a:latin typeface="Arial"/>
+                <a:ea typeface="Arial"/>
+              </a:rPr>
+              <a:t>ı</a:t>
             </a:r>
             <a:endParaRPr b="0" lang="en-US" sz="2800" spc="-1" strike="noStrike">
               <a:latin typeface="Arial"/>
@@ -9908,8 +9418,8 @@
         </p:blipFill>
         <p:spPr>
           <a:xfrm>
-            <a:off x="1370160" y="1172160"/>
-            <a:ext cx="6351840" cy="3467520"/>
+            <a:off x="3657600" y="457200"/>
+            <a:ext cx="5437080" cy="3467160"/>
           </a:xfrm>
           <a:prstGeom prst="rect">
             <a:avLst/>
@@ -9927,8 +9437,8 @@
         </p:nvSpPr>
         <p:spPr>
           <a:xfrm>
-            <a:off x="3375000" y="4240080"/>
-            <a:ext cx="1527480" cy="327600"/>
+            <a:off x="5257800" y="3597120"/>
+            <a:ext cx="1527120" cy="327240"/>
           </a:xfrm>
           <a:prstGeom prst="rect">
             <a:avLst/>
@@ -9947,6 +9457,102 @@
           <a:effectRef idx="0"/>
           <a:fontRef idx="minor"/>
         </p:style>
+      </p:sp>
+      <p:sp>
+        <p:nvSpPr>
+          <p:cNvPr id="119" name=""/>
+          <p:cNvSpPr txBox="1"/>
+          <p:nvPr/>
+        </p:nvSpPr>
+        <p:spPr>
+          <a:xfrm>
+            <a:off x="26280" y="1248840"/>
+            <a:ext cx="3631320" cy="3171960"/>
+          </a:xfrm>
+          <a:prstGeom prst="rect">
+            <a:avLst/>
+          </a:prstGeom>
+          <a:noFill/>
+          <a:ln w="0">
+            <a:noFill/>
+          </a:ln>
+        </p:spPr>
+        <p:txBody>
+          <a:bodyPr lIns="90000" rIns="90000" tIns="45000" bIns="45000" anchor="t">
+            <a:noAutofit/>
+          </a:bodyPr>
+          <a:p>
+            <a:r>
+              <a:rPr b="0" lang="en-US" sz="1000" spc="-1" strike="noStrike">
+                <a:latin typeface="Arial"/>
+              </a:rPr>
+              <a:t>Darboğaz kısmı, U-Net modelinin en derin ve en dar kısmıdır ve aşağıdaki işlevleri sağlar:</a:t>
+            </a:r>
+            <a:endParaRPr b="0" lang="en-US" sz="1000" spc="-1" strike="noStrike">
+              <a:latin typeface="Arial"/>
+            </a:endParaRPr>
+          </a:p>
+          <a:p>
+            <a:r>
+              <a:rPr b="0" lang="en-US" sz="1000" spc="-1" strike="noStrike">
+                <a:latin typeface="Arial"/>
+              </a:rPr>
+              <a:t>1- Özellik yoğunlaştırma</a:t>
+            </a:r>
+            <a:endParaRPr b="0" lang="en-US" sz="1000" spc="-1" strike="noStrike">
+              <a:latin typeface="Arial"/>
+            </a:endParaRPr>
+          </a:p>
+          <a:p>
+            <a:r>
+              <a:rPr b="0" lang="en-US" sz="1000" spc="-1" strike="noStrike">
+                <a:latin typeface="Arial"/>
+              </a:rPr>
+              <a:t>2- Bilgi aktarımı</a:t>
+            </a:r>
+            <a:endParaRPr b="0" lang="en-US" sz="1000" spc="-1" strike="noStrike">
+              <a:latin typeface="Arial"/>
+            </a:endParaRPr>
+          </a:p>
+          <a:p>
+            <a:r>
+              <a:rPr b="0" lang="en-US" sz="1000" spc="-1" strike="noStrike">
+                <a:latin typeface="Arial"/>
+              </a:rPr>
+              <a:t>3- Öğrenme kapasitesinin artırılması</a:t>
+            </a:r>
+            <a:endParaRPr b="0" lang="en-US" sz="1000" spc="-1" strike="noStrike">
+              <a:latin typeface="Arial"/>
+            </a:endParaRPr>
+          </a:p>
+          <a:p>
+            <a:r>
+              <a:rPr b="0" lang="en-US" sz="1000" spc="-1" strike="noStrike">
+                <a:latin typeface="Arial"/>
+              </a:rPr>
+              <a:t>4- Kapsamlı özelliklerin çıkarılması</a:t>
+            </a:r>
+            <a:endParaRPr b="0" lang="en-US" sz="1000" spc="-1" strike="noStrike">
+              <a:latin typeface="Arial"/>
+            </a:endParaRPr>
+          </a:p>
+          <a:p>
+            <a:r>
+              <a:rPr b="0" lang="en-US" sz="1000" spc="-1" strike="noStrike">
+                <a:latin typeface="Arial"/>
+              </a:rPr>
+              <a:t>Bu bölüm, modelin yüksek seviyeli ve soyut özellikler öğrenmesini sağlayarak, görüntü segmentasyonu gibi görevlerde daha iyi performans göstermesini sağlar.</a:t>
+            </a:r>
+            <a:endParaRPr b="0" lang="en-US" sz="1000" spc="-1" strike="noStrike">
+              <a:latin typeface="Arial"/>
+            </a:endParaRPr>
+          </a:p>
+          <a:p>
+            <a:endParaRPr b="0" lang="en-US" sz="1000" spc="-1" strike="noStrike">
+              <a:latin typeface="Arial"/>
+            </a:endParaRPr>
+          </a:p>
+        </p:txBody>
       </p:sp>
     </p:spTree>
   </p:cSld>
@@ -9980,7 +9586,7 @@
       </p:grpSpPr>
       <p:sp>
         <p:nvSpPr>
-          <p:cNvPr id="119" name="PlaceHolder 1"/>
+          <p:cNvPr id="120" name="PlaceHolder 1"/>
           <p:cNvSpPr>
             <a:spLocks noGrp="1"/>
           </p:cNvSpPr>
@@ -9991,7 +9597,7 @@
         <p:spPr>
           <a:xfrm>
             <a:off x="311760" y="217800"/>
-            <a:ext cx="8519760" cy="572040"/>
+            <a:ext cx="8519400" cy="571680"/>
           </a:xfrm>
           <a:prstGeom prst="rect">
             <a:avLst/>
@@ -10023,7 +9629,107 @@
                 <a:latin typeface="Arial"/>
                 <a:ea typeface="Arial"/>
               </a:rPr>
-              <a:t>Decode Kısmı</a:t>
+              <a:t>D</a:t>
+            </a:r>
+            <a:r>
+              <a:rPr b="0" lang="en-US" sz="2800" spc="-1" strike="noStrike">
+                <a:solidFill>
+                  <a:srgbClr val="000000"/>
+                </a:solidFill>
+                <a:latin typeface="Arial"/>
+                <a:ea typeface="Arial"/>
+              </a:rPr>
+              <a:t>e</a:t>
+            </a:r>
+            <a:r>
+              <a:rPr b="0" lang="en-US" sz="2800" spc="-1" strike="noStrike">
+                <a:solidFill>
+                  <a:srgbClr val="000000"/>
+                </a:solidFill>
+                <a:latin typeface="Arial"/>
+                <a:ea typeface="Arial"/>
+              </a:rPr>
+              <a:t>c</a:t>
+            </a:r>
+            <a:r>
+              <a:rPr b="0" lang="en-US" sz="2800" spc="-1" strike="noStrike">
+                <a:solidFill>
+                  <a:srgbClr val="000000"/>
+                </a:solidFill>
+                <a:latin typeface="Arial"/>
+                <a:ea typeface="Arial"/>
+              </a:rPr>
+              <a:t>o</a:t>
+            </a:r>
+            <a:r>
+              <a:rPr b="0" lang="en-US" sz="2800" spc="-1" strike="noStrike">
+                <a:solidFill>
+                  <a:srgbClr val="000000"/>
+                </a:solidFill>
+                <a:latin typeface="Arial"/>
+                <a:ea typeface="Arial"/>
+              </a:rPr>
+              <a:t>d</a:t>
+            </a:r>
+            <a:r>
+              <a:rPr b="0" lang="en-US" sz="2800" spc="-1" strike="noStrike">
+                <a:solidFill>
+                  <a:srgbClr val="000000"/>
+                </a:solidFill>
+                <a:latin typeface="Arial"/>
+                <a:ea typeface="Arial"/>
+              </a:rPr>
+              <a:t>e </a:t>
+            </a:r>
+            <a:r>
+              <a:rPr b="0" lang="en-US" sz="2800" spc="-1" strike="noStrike">
+                <a:solidFill>
+                  <a:srgbClr val="000000"/>
+                </a:solidFill>
+                <a:latin typeface="Arial"/>
+                <a:ea typeface="Arial"/>
+              </a:rPr>
+              <a:t>K</a:t>
+            </a:r>
+            <a:r>
+              <a:rPr b="0" lang="en-US" sz="2800" spc="-1" strike="noStrike">
+                <a:solidFill>
+                  <a:srgbClr val="000000"/>
+                </a:solidFill>
+                <a:latin typeface="Arial"/>
+                <a:ea typeface="Arial"/>
+              </a:rPr>
+              <a:t>ı</a:t>
+            </a:r>
+            <a:r>
+              <a:rPr b="0" lang="en-US" sz="2800" spc="-1" strike="noStrike">
+                <a:solidFill>
+                  <a:srgbClr val="000000"/>
+                </a:solidFill>
+                <a:latin typeface="Arial"/>
+                <a:ea typeface="Arial"/>
+              </a:rPr>
+              <a:t>s</a:t>
+            </a:r>
+            <a:r>
+              <a:rPr b="0" lang="en-US" sz="2800" spc="-1" strike="noStrike">
+                <a:solidFill>
+                  <a:srgbClr val="000000"/>
+                </a:solidFill>
+                <a:latin typeface="Arial"/>
+                <a:ea typeface="Arial"/>
+              </a:rPr>
+              <a:t>m</a:t>
+            </a:r>
+            <a:r>
+              <a:rPr b="0" lang="en-US" sz="2800" spc="-1" strike="noStrike">
+                <a:solidFill>
+                  <a:srgbClr val="000000"/>
+                </a:solidFill>
+                <a:latin typeface="Arial"/>
+                <a:ea typeface="Arial"/>
+              </a:rPr>
+              <a:t>ı</a:t>
             </a:r>
             <a:endParaRPr b="0" lang="en-US" sz="2800" spc="-1" strike="noStrike">
               <a:latin typeface="Arial"/>
@@ -10033,7 +9739,7 @@
       </p:sp>
       <p:sp>
         <p:nvSpPr>
-          <p:cNvPr id="120" name="PlaceHolder 2"/>
+          <p:cNvPr id="121" name="PlaceHolder 2"/>
           <p:cNvSpPr>
             <a:spLocks noGrp="1"/>
           </p:cNvSpPr>
@@ -10044,7 +9750,7 @@
         <p:spPr>
           <a:xfrm>
             <a:off x="311760" y="842760"/>
-            <a:ext cx="8519760" cy="3725640"/>
+            <a:ext cx="8519400" cy="3725280"/>
           </a:xfrm>
           <a:prstGeom prst="rect">
             <a:avLst/>
@@ -10242,7 +9948,7 @@
       </p:sp>
       <p:pic>
         <p:nvPicPr>
-          <p:cNvPr id="121" name="Google Shape;135;p21" descr=""/>
+          <p:cNvPr id="122" name="Google Shape;135;p21" descr=""/>
           <p:cNvPicPr/>
           <p:nvPr/>
         </p:nvPicPr>
@@ -10254,7 +9960,7 @@
         <p:spPr>
           <a:xfrm>
             <a:off x="4689360" y="2066040"/>
-            <a:ext cx="4294440" cy="2940120"/>
+            <a:ext cx="4294080" cy="2939760"/>
           </a:xfrm>
           <a:prstGeom prst="rect">
             <a:avLst/>
@@ -10266,14 +9972,14 @@
       </p:pic>
       <p:sp>
         <p:nvSpPr>
-          <p:cNvPr id="122" name="Google Shape;136;p21"/>
+          <p:cNvPr id="123" name="Google Shape;136;p21"/>
           <p:cNvSpPr/>
           <p:nvPr/>
         </p:nvSpPr>
         <p:spPr>
           <a:xfrm>
             <a:off x="6601680" y="2227320"/>
-            <a:ext cx="1625760" cy="2534760"/>
+            <a:ext cx="1625400" cy="2534400"/>
           </a:xfrm>
           <a:prstGeom prst="rect">
             <a:avLst/>
@@ -10295,14 +10001,14 @@
       </p:sp>
       <p:sp>
         <p:nvSpPr>
-          <p:cNvPr id="123" name="Google Shape;137;p21"/>
+          <p:cNvPr id="124" name="Google Shape;137;p21"/>
           <p:cNvSpPr/>
           <p:nvPr/>
         </p:nvSpPr>
         <p:spPr>
           <a:xfrm>
             <a:off x="4894200" y="2981880"/>
-            <a:ext cx="358560" cy="372960"/>
+            <a:ext cx="358200" cy="372600"/>
           </a:xfrm>
           <a:prstGeom prst="rect">
             <a:avLst/>
